--- a/Conference/2602_QIP/2_background.pptx
+++ b/Conference/2602_QIP/2_background.pptx
@@ -254,7 +254,7 @@
           <a:p>
             <a:fld id="{F602A9BB-8336-1F4C-AA8D-E45E345636B3}" type="datetimeFigureOut">
               <a:rPr kumimoji="1" lang="ja-JP" altLang="en-US" smtClean="0"/>
-              <a:t>2025/8/15</a:t>
+              <a:t>2025/12/26</a:t>
             </a:fld>
             <a:endParaRPr kumimoji="1" lang="ja-JP" altLang="en-US"/>
           </a:p>
@@ -456,7 +456,7 @@
           <a:p>
             <a:fld id="{F602A9BB-8336-1F4C-AA8D-E45E345636B3}" type="datetimeFigureOut">
               <a:rPr kumimoji="1" lang="ja-JP" altLang="en-US" smtClean="0"/>
-              <a:t>2025/8/15</a:t>
+              <a:t>2025/12/26</a:t>
             </a:fld>
             <a:endParaRPr kumimoji="1" lang="ja-JP" altLang="en-US"/>
           </a:p>
@@ -668,7 +668,7 @@
           <a:p>
             <a:fld id="{F602A9BB-8336-1F4C-AA8D-E45E345636B3}" type="datetimeFigureOut">
               <a:rPr kumimoji="1" lang="ja-JP" altLang="en-US" smtClean="0"/>
-              <a:t>2025/8/15</a:t>
+              <a:t>2025/12/26</a:t>
             </a:fld>
             <a:endParaRPr kumimoji="1" lang="ja-JP" altLang="en-US"/>
           </a:p>
@@ -870,7 +870,7 @@
           <a:p>
             <a:fld id="{F602A9BB-8336-1F4C-AA8D-E45E345636B3}" type="datetimeFigureOut">
               <a:rPr kumimoji="1" lang="ja-JP" altLang="en-US" smtClean="0"/>
-              <a:t>2025/8/15</a:t>
+              <a:t>2025/12/26</a:t>
             </a:fld>
             <a:endParaRPr kumimoji="1" lang="ja-JP" altLang="en-US"/>
           </a:p>
@@ -1114,7 +1114,7 @@
           <a:p>
             <a:fld id="{F602A9BB-8336-1F4C-AA8D-E45E345636B3}" type="datetimeFigureOut">
               <a:rPr kumimoji="1" lang="ja-JP" altLang="en-US" smtClean="0"/>
-              <a:t>2025/8/15</a:t>
+              <a:t>2025/12/26</a:t>
             </a:fld>
             <a:endParaRPr kumimoji="1" lang="ja-JP" altLang="en-US"/>
           </a:p>
@@ -1410,7 +1410,7 @@
           <a:p>
             <a:fld id="{F602A9BB-8336-1F4C-AA8D-E45E345636B3}" type="datetimeFigureOut">
               <a:rPr kumimoji="1" lang="ja-JP" altLang="en-US" smtClean="0"/>
-              <a:t>2025/8/15</a:t>
+              <a:t>2025/12/26</a:t>
             </a:fld>
             <a:endParaRPr kumimoji="1" lang="ja-JP" altLang="en-US"/>
           </a:p>
@@ -1841,7 +1841,7 @@
           <a:p>
             <a:fld id="{F602A9BB-8336-1F4C-AA8D-E45E345636B3}" type="datetimeFigureOut">
               <a:rPr kumimoji="1" lang="ja-JP" altLang="en-US" smtClean="0"/>
-              <a:t>2025/8/15</a:t>
+              <a:t>2025/12/26</a:t>
             </a:fld>
             <a:endParaRPr kumimoji="1" lang="ja-JP" altLang="en-US"/>
           </a:p>
@@ -1959,7 +1959,7 @@
           <a:p>
             <a:fld id="{F602A9BB-8336-1F4C-AA8D-E45E345636B3}" type="datetimeFigureOut">
               <a:rPr kumimoji="1" lang="ja-JP" altLang="en-US" smtClean="0"/>
-              <a:t>2025/8/15</a:t>
+              <a:t>2025/12/26</a:t>
             </a:fld>
             <a:endParaRPr kumimoji="1" lang="ja-JP" altLang="en-US"/>
           </a:p>
@@ -2054,7 +2054,7 @@
           <a:p>
             <a:fld id="{F602A9BB-8336-1F4C-AA8D-E45E345636B3}" type="datetimeFigureOut">
               <a:rPr kumimoji="1" lang="ja-JP" altLang="en-US" smtClean="0"/>
-              <a:t>2025/8/15</a:t>
+              <a:t>2025/12/26</a:t>
             </a:fld>
             <a:endParaRPr kumimoji="1" lang="ja-JP" altLang="en-US"/>
           </a:p>
@@ -2363,7 +2363,7 @@
           <a:p>
             <a:fld id="{F602A9BB-8336-1F4C-AA8D-E45E345636B3}" type="datetimeFigureOut">
               <a:rPr kumimoji="1" lang="ja-JP" altLang="en-US" smtClean="0"/>
-              <a:t>2025/8/15</a:t>
+              <a:t>2025/12/26</a:t>
             </a:fld>
             <a:endParaRPr kumimoji="1" lang="ja-JP" altLang="en-US"/>
           </a:p>
@@ -2620,7 +2620,7 @@
           <a:p>
             <a:fld id="{F602A9BB-8336-1F4C-AA8D-E45E345636B3}" type="datetimeFigureOut">
               <a:rPr kumimoji="1" lang="ja-JP" altLang="en-US" smtClean="0"/>
-              <a:t>2025/8/15</a:t>
+              <a:t>2025/12/26</a:t>
             </a:fld>
             <a:endParaRPr kumimoji="1" lang="ja-JP" altLang="en-US"/>
           </a:p>
@@ -2865,7 +2865,7 @@
           <a:p>
             <a:fld id="{F602A9BB-8336-1F4C-AA8D-E45E345636B3}" type="datetimeFigureOut">
               <a:rPr kumimoji="1" lang="ja-JP" altLang="en-US" smtClean="0"/>
-              <a:t>2025/8/15</a:t>
+              <a:t>2025/12/26</a:t>
             </a:fld>
             <a:endParaRPr kumimoji="1" lang="ja-JP" altLang="en-US"/>
           </a:p>
@@ -3391,7 +3391,7 @@
         <p:spPr>
           <a:xfrm>
             <a:off x="473529" y="409386"/>
-            <a:ext cx="12611850" cy="1107996"/>
+            <a:ext cx="13506448" cy="1107996"/>
           </a:xfrm>
           <a:prstGeom prst="rect">
             <a:avLst/>
@@ -3412,19 +3412,26 @@
                 <a:latin typeface="Times New Roman" panose="02020603050405020304" pitchFamily="18" charset="0"/>
                 <a:cs typeface="Times New Roman" panose="02020603050405020304" pitchFamily="18" charset="0"/>
               </a:rPr>
-              <a:t>2. Intro: Trotter </a:t>
-            </a:r>
-            <a:r>
-              <a:rPr kumimoji="1" lang="ja-JP" altLang="en-US" sz="6600">
+              <a:t>2. Intro: Multi-product formula </a:t>
+            </a:r>
+            <a:r>
+              <a:rPr kumimoji="1" lang="en-US" altLang="ja-JP" sz="5400" dirty="0">
                 <a:solidFill>
                   <a:schemeClr val="bg1"/>
                 </a:solidFill>
-                <a:latin typeface="YuKyokasho Medium" panose="02000500000000000000" pitchFamily="2" charset="-128"/>
-                <a:ea typeface="YuKyokasho Medium" panose="02000500000000000000" pitchFamily="2" charset="-128"/>
+                <a:latin typeface="Times New Roman" panose="02020603050405020304" pitchFamily="18" charset="0"/>
                 <a:cs typeface="Times New Roman" panose="02020603050405020304" pitchFamily="18" charset="0"/>
               </a:rPr>
-              <a:t>誤差と計算コスト</a:t>
-            </a:r>
+              <a:t>(MPF)</a:t>
+            </a:r>
+            <a:endParaRPr kumimoji="1" lang="ja-JP" altLang="en-US" sz="6600">
+              <a:solidFill>
+                <a:schemeClr val="bg1"/>
+              </a:solidFill>
+              <a:latin typeface="YuKyokasho Medium" panose="02000500000000000000" pitchFamily="2" charset="-128"/>
+              <a:ea typeface="YuKyokasho Medium" panose="02000500000000000000" pitchFamily="2" charset="-128"/>
+              <a:cs typeface="Times New Roman" panose="02020603050405020304" pitchFamily="18" charset="0"/>
+            </a:endParaRPr>
           </a:p>
         </p:txBody>
       </p:sp>
@@ -3443,7 +3450,7 @@
         <p:spPr>
           <a:xfrm>
             <a:off x="227030" y="2116701"/>
-            <a:ext cx="3066865" cy="646331"/>
+            <a:ext cx="5775940" cy="646331"/>
           </a:xfrm>
           <a:prstGeom prst="rect">
             <a:avLst/>
@@ -3474,88 +3481,9 @@
                 <a:ea typeface="YuKyokasho Medium" panose="02000500000000000000" pitchFamily="2" charset="-128"/>
                 <a:cs typeface="Times New Roman" panose="02020603050405020304" pitchFamily="18" charset="0"/>
               </a:rPr>
-              <a:t> Trotter </a:t>
-            </a:r>
-            <a:r>
-              <a:rPr kumimoji="1" lang="ja-JP" altLang="en-US" sz="3600">
-                <a:latin typeface="Times New Roman" panose="02020603050405020304" pitchFamily="18" charset="0"/>
-                <a:ea typeface="YuKyokasho Medium" panose="02000500000000000000" pitchFamily="2" charset="-128"/>
-                <a:cs typeface="Times New Roman" panose="02020603050405020304" pitchFamily="18" charset="0"/>
-              </a:rPr>
-              <a:t>誤差</a:t>
-            </a:r>
-          </a:p>
-        </p:txBody>
-      </p:sp>
-      <p:sp>
-        <p:nvSpPr>
-          <p:cNvPr id="25" name="テキスト ボックス 24">
-            <a:extLst>
-              <a:ext uri="{FF2B5EF4-FFF2-40B4-BE49-F238E27FC236}">
-                <a16:creationId xmlns:a16="http://schemas.microsoft.com/office/drawing/2014/main" id="{B3EEA024-44E5-12ED-AAB1-0BEA63E17DF8}"/>
-              </a:ext>
-            </a:extLst>
-          </p:cNvPr>
-          <p:cNvSpPr txBox="1"/>
-          <p:nvPr/>
-        </p:nvSpPr>
-        <p:spPr>
-          <a:xfrm>
-            <a:off x="3587344" y="2238935"/>
-            <a:ext cx="8463298" cy="523220"/>
-          </a:xfrm>
-          <a:prstGeom prst="rect">
-            <a:avLst/>
-          </a:prstGeom>
-          <a:noFill/>
-        </p:spPr>
-        <p:txBody>
-          <a:bodyPr wrap="square" rtlCol="0">
-            <a:spAutoFit/>
-          </a:bodyPr>
-          <a:lstStyle/>
-          <a:p>
-            <a:r>
-              <a:rPr kumimoji="1" lang="en-US" altLang="ja-JP" sz="2800" dirty="0">
-                <a:latin typeface="Times New Roman" panose="02020603050405020304" pitchFamily="18" charset="0"/>
-                <a:ea typeface="YuKyokasho Medium" panose="02000500000000000000" pitchFamily="2" charset="-128"/>
-                <a:cs typeface="Times New Roman" panose="02020603050405020304" pitchFamily="18" charset="0"/>
-              </a:rPr>
-              <a:t>“</a:t>
-            </a:r>
-            <a:r>
-              <a:rPr kumimoji="1" lang="ja-JP" altLang="en-US" sz="2800">
-                <a:latin typeface="Times New Roman" panose="02020603050405020304" pitchFamily="18" charset="0"/>
-                <a:ea typeface="YuKyokasho Medium" panose="02000500000000000000" pitchFamily="2" charset="-128"/>
-                <a:cs typeface="Times New Roman" panose="02020603050405020304" pitchFamily="18" charset="0"/>
-              </a:rPr>
-              <a:t>全ての可能な初期状態に対する</a:t>
-            </a:r>
-            <a:r>
-              <a:rPr kumimoji="1" lang="en-US" altLang="ja-JP" sz="2800" dirty="0">
-                <a:latin typeface="Times New Roman" panose="02020603050405020304" pitchFamily="18" charset="0"/>
-                <a:ea typeface="YuKyokasho Medium" panose="02000500000000000000" pitchFamily="2" charset="-128"/>
-                <a:cs typeface="Times New Roman" panose="02020603050405020304" pitchFamily="18" charset="0"/>
-              </a:rPr>
-              <a:t> worst-case </a:t>
-            </a:r>
-            <a:r>
-              <a:rPr kumimoji="1" lang="ja-JP" altLang="en-US" sz="2800">
-                <a:latin typeface="Times New Roman" panose="02020603050405020304" pitchFamily="18" charset="0"/>
-                <a:ea typeface="YuKyokasho Medium" panose="02000500000000000000" pitchFamily="2" charset="-128"/>
-                <a:cs typeface="Times New Roman" panose="02020603050405020304" pitchFamily="18" charset="0"/>
-              </a:rPr>
-              <a:t>の誤差</a:t>
-            </a:r>
-            <a:r>
-              <a:rPr kumimoji="1" lang="en-US" altLang="ja-JP" sz="2800" dirty="0">
-                <a:latin typeface="Times New Roman" panose="02020603050405020304" pitchFamily="18" charset="0"/>
-                <a:ea typeface="YuKyokasho Medium" panose="02000500000000000000" pitchFamily="2" charset="-128"/>
-                <a:cs typeface="Times New Roman" panose="02020603050405020304" pitchFamily="18" charset="0"/>
-              </a:rPr>
-              <a:t>”</a:t>
-            </a:r>
-            <a:endParaRPr kumimoji="1" lang="ja-JP" altLang="en-US" sz="2800">
+              <a:t> Cost of existing algorithms</a:t>
+            </a:r>
+            <a:endParaRPr kumimoji="1" lang="ja-JP" altLang="en-US" sz="3600">
               <a:latin typeface="Times New Roman" panose="02020603050405020304" pitchFamily="18" charset="0"/>
               <a:ea typeface="YuKyokasho Medium" panose="02000500000000000000" pitchFamily="2" charset="-128"/>
               <a:cs typeface="Times New Roman" panose="02020603050405020304" pitchFamily="18" charset="0"/>
@@ -3563,289 +3491,124 @@
           </a:p>
         </p:txBody>
       </p:sp>
-      <p:pic>
-        <p:nvPicPr>
-          <p:cNvPr id="30" name="Picture 4" descr="\begin{align*}&#10;  \| e^{-iH\tau} -  T_p(\tau) \| = \max_{\ket{\psi} \in \mathcal{H}} \left( \| (e^{-iH\tau} -  T_p(\tau) ) \ket{\psi} \|\right)&#10;\end{align*}">
-            <a:extLst>
-              <a:ext uri="{FF2B5EF4-FFF2-40B4-BE49-F238E27FC236}">
-                <a16:creationId xmlns:a16="http://schemas.microsoft.com/office/drawing/2014/main" id="{23F4D549-9F5C-C306-3BC0-AB7CD7C6BFBD}"/>
-              </a:ext>
-            </a:extLst>
-          </p:cNvPr>
-          <p:cNvPicPr>
-            <a:picLocks noChangeAspect="1" noChangeArrowheads="1"/>
-          </p:cNvPicPr>
-          <p:nvPr/>
-        </p:nvPicPr>
-        <p:blipFill>
-          <a:blip r:embed="rId2">
-            <a:extLst>
-              <a:ext uri="{28A0092B-C50C-407E-A947-70E740481C1C}">
-                <a14:useLocalDpi xmlns:a14="http://schemas.microsoft.com/office/drawing/2010/main" val="0"/>
-              </a:ext>
-            </a:extLst>
-          </a:blip>
-          <a:srcRect/>
-          <a:stretch>
-            <a:fillRect/>
-          </a:stretch>
-        </p:blipFill>
-        <p:spPr bwMode="auto">
-          <a:xfrm>
-            <a:off x="2894132" y="3128092"/>
-            <a:ext cx="7842368" cy="648085"/>
-          </a:xfrm>
-          <a:prstGeom prst="rect">
-            <a:avLst/>
-          </a:prstGeom>
-          <a:noFill/>
-          <a:extLst>
-            <a:ext uri="{909E8E84-426E-40DD-AFC4-6F175D3DCCD1}">
-              <a14:hiddenFill xmlns:a14="http://schemas.microsoft.com/office/drawing/2010/main">
-                <a:solidFill>
-                  <a:srgbClr val="FFFFFF"/>
-                </a:solidFill>
-              </a14:hiddenFill>
-            </a:ext>
-          </a:extLst>
-        </p:spPr>
-      </p:pic>
-      <p:sp>
-        <p:nvSpPr>
-          <p:cNvPr id="39" name="テキスト ボックス 38">
-            <a:extLst>
-              <a:ext uri="{FF2B5EF4-FFF2-40B4-BE49-F238E27FC236}">
-                <a16:creationId xmlns:a16="http://schemas.microsoft.com/office/drawing/2014/main" id="{3AD27EC3-73BF-973C-AA43-DBA141323D86}"/>
-              </a:ext>
-            </a:extLst>
-          </p:cNvPr>
-          <p:cNvSpPr txBox="1"/>
-          <p:nvPr/>
-        </p:nvSpPr>
-        <p:spPr>
-          <a:xfrm>
-            <a:off x="3363325" y="4326077"/>
-            <a:ext cx="3160119" cy="830997"/>
-          </a:xfrm>
-          <a:prstGeom prst="rect">
-            <a:avLst/>
-          </a:prstGeom>
-          <a:solidFill>
-            <a:schemeClr val="accent5">
-              <a:lumMod val="20000"/>
-              <a:lumOff val="80000"/>
-            </a:schemeClr>
-          </a:solidFill>
-        </p:spPr>
-        <p:txBody>
-          <a:bodyPr wrap="square" rtlCol="0">
-            <a:spAutoFit/>
-          </a:bodyPr>
-          <a:lstStyle/>
-          <a:p>
-            <a:pPr algn="ctr"/>
-            <a:r>
-              <a:rPr kumimoji="1" lang="en-US" altLang="ja-JP" sz="2400" dirty="0">
-                <a:latin typeface="Times New Roman" panose="02020603050405020304" pitchFamily="18" charset="0"/>
-                <a:ea typeface="YuKyokasho Medium" panose="02000500000000000000" pitchFamily="2" charset="-128"/>
-                <a:cs typeface="Times New Roman" panose="02020603050405020304" pitchFamily="18" charset="0"/>
-              </a:rPr>
-              <a:t>1-norm </a:t>
-            </a:r>
-            <a:r>
-              <a:rPr kumimoji="1" lang="ja-JP" altLang="en-US" sz="2400">
-                <a:latin typeface="Times New Roman" panose="02020603050405020304" pitchFamily="18" charset="0"/>
-                <a:ea typeface="YuKyokasho Medium" panose="02000500000000000000" pitchFamily="2" charset="-128"/>
-                <a:cs typeface="Times New Roman" panose="02020603050405020304" pitchFamily="18" charset="0"/>
-              </a:rPr>
-              <a:t>スケーリング</a:t>
-            </a:r>
-            <a:endParaRPr kumimoji="1" lang="en-US" altLang="ja-JP" sz="2400" dirty="0">
-              <a:latin typeface="Times New Roman" panose="02020603050405020304" pitchFamily="18" charset="0"/>
-              <a:ea typeface="YuKyokasho Medium" panose="02000500000000000000" pitchFamily="2" charset="-128"/>
-              <a:cs typeface="Times New Roman" panose="02020603050405020304" pitchFamily="18" charset="0"/>
-            </a:endParaRPr>
-          </a:p>
-          <a:p>
-            <a:pPr algn="ctr"/>
-            <a:r>
-              <a:rPr kumimoji="1" lang="en-US" altLang="ja-JP" sz="2400" dirty="0">
-                <a:latin typeface="Times New Roman" panose="02020603050405020304" pitchFamily="18" charset="0"/>
-                <a:ea typeface="YuKyokasho Medium" panose="02000500000000000000" pitchFamily="2" charset="-128"/>
-                <a:cs typeface="Times New Roman" panose="02020603050405020304" pitchFamily="18" charset="0"/>
-              </a:rPr>
-              <a:t>(Taylor</a:t>
-            </a:r>
-            <a:r>
-              <a:rPr kumimoji="1" lang="ja-JP" altLang="en-US" sz="2400">
-                <a:latin typeface="Times New Roman" panose="02020603050405020304" pitchFamily="18" charset="0"/>
-                <a:ea typeface="YuKyokasho Medium" panose="02000500000000000000" pitchFamily="2" charset="-128"/>
-                <a:cs typeface="Times New Roman" panose="02020603050405020304" pitchFamily="18" charset="0"/>
-              </a:rPr>
-              <a:t>展開</a:t>
-            </a:r>
-            <a:r>
-              <a:rPr kumimoji="1" lang="en-US" altLang="ja-JP" sz="2400" dirty="0">
-                <a:latin typeface="Times New Roman" panose="02020603050405020304" pitchFamily="18" charset="0"/>
-                <a:ea typeface="YuKyokasho Medium" panose="02000500000000000000" pitchFamily="2" charset="-128"/>
-                <a:cs typeface="Times New Roman" panose="02020603050405020304" pitchFamily="18" charset="0"/>
-              </a:rPr>
-              <a:t>)</a:t>
-            </a:r>
-            <a:endParaRPr kumimoji="1" lang="ja-JP" altLang="en-US" sz="2400">
-              <a:latin typeface="Times New Roman" panose="02020603050405020304" pitchFamily="18" charset="0"/>
-              <a:ea typeface="YuKyokasho Medium" panose="02000500000000000000" pitchFamily="2" charset="-128"/>
-              <a:cs typeface="Times New Roman" panose="02020603050405020304" pitchFamily="18" charset="0"/>
-            </a:endParaRPr>
-          </a:p>
-        </p:txBody>
-      </p:sp>
-      <p:sp>
-        <p:nvSpPr>
-          <p:cNvPr id="45" name="テキスト ボックス 44">
-            <a:extLst>
-              <a:ext uri="{FF2B5EF4-FFF2-40B4-BE49-F238E27FC236}">
-                <a16:creationId xmlns:a16="http://schemas.microsoft.com/office/drawing/2014/main" id="{0C07CDF3-9E13-2E77-3036-2849B7A48B98}"/>
-              </a:ext>
-            </a:extLst>
-          </p:cNvPr>
-          <p:cNvSpPr txBox="1"/>
-          <p:nvPr/>
-        </p:nvSpPr>
-        <p:spPr>
-          <a:xfrm>
-            <a:off x="473529" y="4219381"/>
-            <a:ext cx="2307292" cy="523220"/>
-          </a:xfrm>
-          <a:prstGeom prst="rect">
-            <a:avLst/>
-          </a:prstGeom>
-          <a:noFill/>
-        </p:spPr>
-        <p:txBody>
-          <a:bodyPr wrap="square" rtlCol="0">
-            <a:spAutoFit/>
-          </a:bodyPr>
-          <a:lstStyle/>
-          <a:p>
-            <a:r>
-              <a:rPr kumimoji="1" lang="ja-JP" altLang="en-US" sz="2800" b="1" u="sng">
-                <a:latin typeface="Times New Roman" panose="02020603050405020304" pitchFamily="18" charset="0"/>
-                <a:ea typeface="YuKyokasho Medium" panose="02000500000000000000" pitchFamily="2" charset="-128"/>
-                <a:cs typeface="Times New Roman" panose="02020603050405020304" pitchFamily="18" charset="0"/>
-              </a:rPr>
-              <a:t>誤差の上界</a:t>
-            </a:r>
-            <a:r>
-              <a:rPr kumimoji="1" lang="en-US" altLang="ja-JP" sz="2800" b="1" u="sng" dirty="0">
-                <a:latin typeface="Times New Roman" panose="02020603050405020304" pitchFamily="18" charset="0"/>
-                <a:ea typeface="YuKyokasho Medium" panose="02000500000000000000" pitchFamily="2" charset="-128"/>
-                <a:cs typeface="Times New Roman" panose="02020603050405020304" pitchFamily="18" charset="0"/>
-              </a:rPr>
-              <a:t>:</a:t>
-            </a:r>
-            <a:endParaRPr kumimoji="1" lang="ja-JP" altLang="en-US" sz="2800" b="1" u="sng">
-              <a:latin typeface="Times New Roman" panose="02020603050405020304" pitchFamily="18" charset="0"/>
-              <a:ea typeface="YuKyokasho Medium" panose="02000500000000000000" pitchFamily="2" charset="-128"/>
-              <a:cs typeface="Times New Roman" panose="02020603050405020304" pitchFamily="18" charset="0"/>
-            </a:endParaRPr>
-          </a:p>
-        </p:txBody>
-      </p:sp>
-      <p:pic>
-        <p:nvPicPr>
-          <p:cNvPr id="47" name="Picture 4" descr="\begin{align*}&#10;  \leq \mathcal{O} \left( \left( \sum_\gamma \|H_\gamma\| \tau\right)^{p+1}\right)&#10;\end{align*}">
-            <a:extLst>
-              <a:ext uri="{FF2B5EF4-FFF2-40B4-BE49-F238E27FC236}">
-                <a16:creationId xmlns:a16="http://schemas.microsoft.com/office/drawing/2014/main" id="{7BB814B6-4CA2-0910-CF82-9881B8DD3687}"/>
-              </a:ext>
-            </a:extLst>
-          </p:cNvPr>
-          <p:cNvPicPr>
-            <a:picLocks noChangeAspect="1" noChangeArrowheads="1"/>
-          </p:cNvPicPr>
-          <p:nvPr/>
-        </p:nvPicPr>
-        <p:blipFill>
-          <a:blip r:embed="rId3">
-            <a:extLst>
-              <a:ext uri="{28A0092B-C50C-407E-A947-70E740481C1C}">
-                <a14:useLocalDpi xmlns:a14="http://schemas.microsoft.com/office/drawing/2010/main" val="0"/>
-              </a:ext>
-            </a:extLst>
-          </a:blip>
-          <a:srcRect/>
-          <a:stretch>
-            <a:fillRect/>
-          </a:stretch>
-        </p:blipFill>
-        <p:spPr bwMode="auto">
-          <a:xfrm>
-            <a:off x="7088313" y="4250733"/>
-            <a:ext cx="3082754" cy="1011845"/>
-          </a:xfrm>
-          <a:prstGeom prst="rect">
-            <a:avLst/>
-          </a:prstGeom>
-          <a:noFill/>
-          <a:extLst>
-            <a:ext uri="{909E8E84-426E-40DD-AFC4-6F175D3DCCD1}">
-              <a14:hiddenFill xmlns:a14="http://schemas.microsoft.com/office/drawing/2010/main">
-                <a:solidFill>
-                  <a:srgbClr val="FFFFFF"/>
-                </a:solidFill>
-              </a14:hiddenFill>
-            </a:ext>
-          </a:extLst>
-        </p:spPr>
-      </p:pic>
-      <p:pic>
-        <p:nvPicPr>
-          <p:cNvPr id="48" name="Picture 6" descr="\begin{align*}&#10;  \subset \mathcal{O} \left( \left( Ng \tau\right)^{p+1}\right)&#10;\end{align*}">
-            <a:extLst>
-              <a:ext uri="{FF2B5EF4-FFF2-40B4-BE49-F238E27FC236}">
-                <a16:creationId xmlns:a16="http://schemas.microsoft.com/office/drawing/2014/main" id="{9F15A462-DDBE-062B-DE05-887B610B7614}"/>
-              </a:ext>
-            </a:extLst>
-          </p:cNvPr>
-          <p:cNvPicPr>
-            <a:picLocks noChangeAspect="1" noChangeArrowheads="1"/>
-          </p:cNvPicPr>
-          <p:nvPr/>
-        </p:nvPicPr>
-        <p:blipFill>
-          <a:blip r:embed="rId4">
-            <a:extLst>
-              <a:ext uri="{28A0092B-C50C-407E-A947-70E740481C1C}">
-                <a14:useLocalDpi xmlns:a14="http://schemas.microsoft.com/office/drawing/2010/main" val="0"/>
-              </a:ext>
-            </a:extLst>
-          </a:blip>
-          <a:srcRect/>
-          <a:stretch>
-            <a:fillRect/>
-          </a:stretch>
-        </p:blipFill>
-        <p:spPr bwMode="auto">
-          <a:xfrm>
-            <a:off x="10735936" y="4505343"/>
-            <a:ext cx="2099855" cy="523220"/>
-          </a:xfrm>
-          <a:prstGeom prst="rect">
-            <a:avLst/>
-          </a:prstGeom>
-          <a:noFill/>
-          <a:extLst>
-            <a:ext uri="{909E8E84-426E-40DD-AFC4-6F175D3DCCD1}">
-              <a14:hiddenFill xmlns:a14="http://schemas.microsoft.com/office/drawing/2010/main">
-                <a:solidFill>
-                  <a:srgbClr val="FFFFFF"/>
-                </a:solidFill>
-              </a14:hiddenFill>
-            </a:ext>
-          </a:extLst>
-        </p:spPr>
-      </p:pic>
+      <mc:AlternateContent xmlns:mc="http://schemas.openxmlformats.org/markup-compatibility/2006">
+        <mc:Choice xmlns:a14="http://schemas.microsoft.com/office/drawing/2010/main" Requires="a14">
+          <p:sp>
+            <p:nvSpPr>
+              <p:cNvPr id="39" name="テキスト ボックス 38">
+                <a:extLst>
+                  <a:ext uri="{FF2B5EF4-FFF2-40B4-BE49-F238E27FC236}">
+                    <a16:creationId xmlns:a16="http://schemas.microsoft.com/office/drawing/2014/main" id="{3AD27EC3-73BF-973C-AA43-DBA141323D86}"/>
+                  </a:ext>
+                </a:extLst>
+              </p:cNvPr>
+              <p:cNvSpPr txBox="1"/>
+              <p:nvPr/>
+            </p:nvSpPr>
+            <p:spPr>
+              <a:xfrm>
+                <a:off x="3323918" y="3075818"/>
+                <a:ext cx="3160119" cy="461665"/>
+              </a:xfrm>
+              <a:prstGeom prst="rect">
+                <a:avLst/>
+              </a:prstGeom>
+              <a:solidFill>
+                <a:schemeClr val="accent5">
+                  <a:lumMod val="20000"/>
+                  <a:lumOff val="80000"/>
+                </a:schemeClr>
+              </a:solidFill>
+            </p:spPr>
+            <p:txBody>
+              <a:bodyPr wrap="square" rtlCol="0">
+                <a:spAutoFit/>
+              </a:bodyPr>
+              <a:lstStyle/>
+              <a:p>
+                <a:pPr algn="ctr"/>
+                <a14:m>
+                  <m:oMath xmlns:m="http://schemas.openxmlformats.org/officeDocument/2006/math">
+                    <m:r>
+                      <a:rPr kumimoji="1" lang="en-US" altLang="ja-JP" sz="2400" b="0" i="1" smtClean="0">
+                        <a:latin typeface="Cambria Math" panose="02040503050406030204" pitchFamily="18" charset="0"/>
+                        <a:ea typeface="YuKyokasho Medium" panose="02000500000000000000" pitchFamily="2" charset="-128"/>
+                        <a:cs typeface="Times New Roman" panose="02020603050405020304" pitchFamily="18" charset="0"/>
+                      </a:rPr>
+                      <m:t>𝑝</m:t>
+                    </m:r>
+                  </m:oMath>
+                </a14:m>
+                <a:r>
+                  <a:rPr kumimoji="1" lang="en-US" altLang="ja-JP" sz="2400" dirty="0" err="1">
+                    <a:latin typeface="Times New Roman" panose="02020603050405020304" pitchFamily="18" charset="0"/>
+                    <a:ea typeface="YuKyokasho Medium" panose="02000500000000000000" pitchFamily="2" charset="-128"/>
+                    <a:cs typeface="Times New Roman" panose="02020603050405020304" pitchFamily="18" charset="0"/>
+                  </a:rPr>
+                  <a:t>th</a:t>
+                </a:r>
+                <a:r>
+                  <a:rPr kumimoji="1" lang="en-US" altLang="ja-JP" sz="2400" dirty="0">
+                    <a:latin typeface="Times New Roman" panose="02020603050405020304" pitchFamily="18" charset="0"/>
+                    <a:ea typeface="YuKyokasho Medium" panose="02000500000000000000" pitchFamily="2" charset="-128"/>
+                    <a:cs typeface="Times New Roman" panose="02020603050405020304" pitchFamily="18" charset="0"/>
+                  </a:rPr>
+                  <a:t>-order PF</a:t>
+                </a:r>
+                <a:endParaRPr kumimoji="1" lang="ja-JP" altLang="en-US" sz="2400">
+                  <a:latin typeface="Times New Roman" panose="02020603050405020304" pitchFamily="18" charset="0"/>
+                  <a:ea typeface="YuKyokasho Medium" panose="02000500000000000000" pitchFamily="2" charset="-128"/>
+                  <a:cs typeface="Times New Roman" panose="02020603050405020304" pitchFamily="18" charset="0"/>
+                </a:endParaRPr>
+              </a:p>
+            </p:txBody>
+          </p:sp>
+        </mc:Choice>
+        <mc:Fallback>
+          <p:sp>
+            <p:nvSpPr>
+              <p:cNvPr id="39" name="テキスト ボックス 38">
+                <a:extLst>
+                  <a:ext uri="{FF2B5EF4-FFF2-40B4-BE49-F238E27FC236}">
+                    <a16:creationId xmlns:a16="http://schemas.microsoft.com/office/drawing/2014/main" id="{3AD27EC3-73BF-973C-AA43-DBA141323D86}"/>
+                  </a:ext>
+                </a:extLst>
+              </p:cNvPr>
+              <p:cNvSpPr txBox="1">
+                <a:spLocks noRot="1" noChangeAspect="1" noMove="1" noResize="1" noEditPoints="1" noAdjustHandles="1" noChangeArrowheads="1" noChangeShapeType="1" noTextEdit="1"/>
+              </p:cNvSpPr>
+              <p:nvPr/>
+            </p:nvSpPr>
+            <p:spPr>
+              <a:xfrm>
+                <a:off x="3323918" y="3075818"/>
+                <a:ext cx="3160119" cy="461665"/>
+              </a:xfrm>
+              <a:prstGeom prst="rect">
+                <a:avLst/>
+              </a:prstGeom>
+              <a:blipFill>
+                <a:blip r:embed="rId2"/>
+                <a:stretch>
+                  <a:fillRect t="-10811" b="-29730"/>
+                </a:stretch>
+              </a:blipFill>
+            </p:spPr>
+            <p:txBody>
+              <a:bodyPr/>
+              <a:lstStyle/>
+              <a:p>
+                <a:r>
+                  <a:rPr lang="ja-JP" altLang="en-US">
+                    <a:noFill/>
+                  </a:rPr>
+                  <a:t> </a:t>
+                </a:r>
+              </a:p>
+            </p:txBody>
+          </p:sp>
+        </mc:Fallback>
+      </mc:AlternateContent>
       <p:sp>
         <p:nvSpPr>
           <p:cNvPr id="50" name="テキスト ボックス 49">
@@ -3860,7 +3623,7 @@
         </p:nvSpPr>
         <p:spPr>
           <a:xfrm>
-            <a:off x="3363325" y="6403392"/>
+            <a:off x="2954795" y="5481935"/>
             <a:ext cx="3989314" cy="307777"/>
           </a:xfrm>
           <a:prstGeom prst="rect">
@@ -3917,104 +3680,6 @@
           </a:p>
         </p:txBody>
       </p:sp>
-      <p:pic>
-        <p:nvPicPr>
-          <p:cNvPr id="51" name="Picture 2" descr="\begin{align*}&#10;  \leq \mathcal{O} \left( \sum_{\gamma_0,\cdots,\gamma_p} \| [H_{\gamma_p},[\cdots,[H_{\gamma_1},H_{\gamma_0}]]] \| t^{p+1} \right)&#10;\end{align*}">
-            <a:extLst>
-              <a:ext uri="{FF2B5EF4-FFF2-40B4-BE49-F238E27FC236}">
-                <a16:creationId xmlns:a16="http://schemas.microsoft.com/office/drawing/2014/main" id="{D9C1D07C-5CDC-8D02-2B32-FFA54D6A4686}"/>
-              </a:ext>
-            </a:extLst>
-          </p:cNvPr>
-          <p:cNvPicPr>
-            <a:picLocks noChangeAspect="1" noChangeArrowheads="1"/>
-          </p:cNvPicPr>
-          <p:nvPr/>
-        </p:nvPicPr>
-        <p:blipFill>
-          <a:blip r:embed="rId5">
-            <a:extLst>
-              <a:ext uri="{28A0092B-C50C-407E-A947-70E740481C1C}">
-                <a14:useLocalDpi xmlns:a14="http://schemas.microsoft.com/office/drawing/2010/main" val="0"/>
-              </a:ext>
-            </a:extLst>
-          </a:blip>
-          <a:srcRect/>
-          <a:stretch>
-            <a:fillRect/>
-          </a:stretch>
-        </p:blipFill>
-        <p:spPr bwMode="auto">
-          <a:xfrm>
-            <a:off x="7028627" y="5472122"/>
-            <a:ext cx="5359507" cy="1017933"/>
-          </a:xfrm>
-          <a:prstGeom prst="rect">
-            <a:avLst/>
-          </a:prstGeom>
-          <a:noFill/>
-          <a:extLst>
-            <a:ext uri="{909E8E84-426E-40DD-AFC4-6F175D3DCCD1}">
-              <a14:hiddenFill xmlns:a14="http://schemas.microsoft.com/office/drawing/2010/main">
-                <a:solidFill>
-                  <a:srgbClr val="FFFFFF"/>
-                </a:solidFill>
-              </a14:hiddenFill>
-            </a:ext>
-          </a:extLst>
-        </p:spPr>
-      </p:pic>
-      <p:sp>
-        <p:nvSpPr>
-          <p:cNvPr id="52" name="テキスト ボックス 51">
-            <a:extLst>
-              <a:ext uri="{FF2B5EF4-FFF2-40B4-BE49-F238E27FC236}">
-                <a16:creationId xmlns:a16="http://schemas.microsoft.com/office/drawing/2014/main" id="{D33C285B-FC89-434F-5B81-A16AB5C6114D}"/>
-              </a:ext>
-            </a:extLst>
-          </p:cNvPr>
-          <p:cNvSpPr txBox="1"/>
-          <p:nvPr/>
-        </p:nvSpPr>
-        <p:spPr>
-          <a:xfrm>
-            <a:off x="8940148" y="6199843"/>
-            <a:ext cx="2618790" cy="369332"/>
-          </a:xfrm>
-          <a:prstGeom prst="rect">
-            <a:avLst/>
-          </a:prstGeom>
-          <a:noFill/>
-        </p:spPr>
-        <p:txBody>
-          <a:bodyPr wrap="square" rtlCol="0">
-            <a:spAutoFit/>
-          </a:bodyPr>
-          <a:lstStyle/>
-          <a:p>
-            <a:pPr algn="ctr"/>
-            <a:r>
-              <a:rPr kumimoji="1" lang="en-US" altLang="ja-JP" b="1" dirty="0">
-                <a:solidFill>
-                  <a:schemeClr val="accent2"/>
-                </a:solidFill>
-                <a:latin typeface="Times New Roman" panose="02020603050405020304" pitchFamily="18" charset="0"/>
-                <a:ea typeface="YuKyokasho Medium" panose="02000500000000000000" pitchFamily="2" charset="-128"/>
-                <a:cs typeface="Times New Roman" panose="02020603050405020304" pitchFamily="18" charset="0"/>
-              </a:rPr>
-              <a:t>Many vanishing terms </a:t>
-            </a:r>
-            <a:endParaRPr kumimoji="1" lang="ja-JP" altLang="en-US" b="1">
-              <a:solidFill>
-                <a:schemeClr val="accent2"/>
-              </a:solidFill>
-              <a:latin typeface="Times New Roman" panose="02020603050405020304" pitchFamily="18" charset="0"/>
-              <a:ea typeface="YuKyokasho Medium" panose="02000500000000000000" pitchFamily="2" charset="-128"/>
-              <a:cs typeface="Times New Roman" panose="02020603050405020304" pitchFamily="18" charset="0"/>
-            </a:endParaRPr>
-          </a:p>
-        </p:txBody>
-      </p:sp>
       <p:sp>
         <p:nvSpPr>
           <p:cNvPr id="53" name="テキスト ボックス 52">
@@ -4029,8 +3694,8 @@
         </p:nvSpPr>
         <p:spPr>
           <a:xfrm>
-            <a:off x="3363325" y="5544961"/>
-            <a:ext cx="3160119" cy="830997"/>
+            <a:off x="7068735" y="3075817"/>
+            <a:ext cx="2639645" cy="461665"/>
           </a:xfrm>
           <a:prstGeom prst="rect">
             <a:avLst/>
@@ -4050,44 +3715,134 @@
           <a:p>
             <a:pPr algn="ctr"/>
             <a:r>
-              <a:rPr kumimoji="1" lang="ja-JP" altLang="en-US" sz="2400">
-                <a:latin typeface="Times New Roman" panose="02020603050405020304" pitchFamily="18" charset="0"/>
-                <a:ea typeface="YuKyokasho Medium" panose="02000500000000000000" pitchFamily="2" charset="-128"/>
-                <a:cs typeface="Times New Roman" panose="02020603050405020304" pitchFamily="18" charset="0"/>
-              </a:rPr>
-              <a:t>交換子スケーリング</a:t>
-            </a:r>
-            <a:endParaRPr kumimoji="1" lang="en-US" altLang="ja-JP" sz="2400" dirty="0">
-              <a:latin typeface="Times New Roman" panose="02020603050405020304" pitchFamily="18" charset="0"/>
-              <a:ea typeface="YuKyokasho Medium" panose="02000500000000000000" pitchFamily="2" charset="-128"/>
-              <a:cs typeface="Times New Roman" panose="02020603050405020304" pitchFamily="18" charset="0"/>
-            </a:endParaRPr>
-          </a:p>
-          <a:p>
-            <a:pPr algn="ctr"/>
-            <a:r>
               <a:rPr kumimoji="1" lang="en-US" altLang="ja-JP" sz="2400" dirty="0">
                 <a:latin typeface="Times New Roman" panose="02020603050405020304" pitchFamily="18" charset="0"/>
                 <a:ea typeface="YuKyokasho Medium" panose="02000500000000000000" pitchFamily="2" charset="-128"/>
                 <a:cs typeface="Times New Roman" panose="02020603050405020304" pitchFamily="18" charset="0"/>
               </a:rPr>
-              <a:t>(</a:t>
-            </a:r>
-            <a:r>
-              <a:rPr kumimoji="1" lang="ja-JP" altLang="en-US" sz="2400">
+              <a:t>LCU</a:t>
+            </a:r>
+            <a:endParaRPr kumimoji="1" lang="ja-JP" altLang="en-US" sz="2400">
+              <a:latin typeface="Times New Roman" panose="02020603050405020304" pitchFamily="18" charset="0"/>
+              <a:ea typeface="YuKyokasho Medium" panose="02000500000000000000" pitchFamily="2" charset="-128"/>
+              <a:cs typeface="Times New Roman" panose="02020603050405020304" pitchFamily="18" charset="0"/>
+            </a:endParaRPr>
+          </a:p>
+        </p:txBody>
+      </p:sp>
+      <p:sp>
+        <p:nvSpPr>
+          <p:cNvPr id="1040" name="テキスト ボックス 1039">
+            <a:extLst>
+              <a:ext uri="{FF2B5EF4-FFF2-40B4-BE49-F238E27FC236}">
+                <a16:creationId xmlns:a16="http://schemas.microsoft.com/office/drawing/2014/main" id="{29A08AE6-8F2F-CAD2-A648-1DFC928ABFE5}"/>
+              </a:ext>
+            </a:extLst>
+          </p:cNvPr>
+          <p:cNvSpPr txBox="1"/>
+          <p:nvPr/>
+        </p:nvSpPr>
+        <p:spPr>
+          <a:xfrm>
+            <a:off x="227028" y="6244066"/>
+            <a:ext cx="4495270" cy="646331"/>
+          </a:xfrm>
+          <a:prstGeom prst="rect">
+            <a:avLst/>
+          </a:prstGeom>
+          <a:solidFill>
+            <a:schemeClr val="bg1">
+              <a:lumMod val="95000"/>
+            </a:schemeClr>
+          </a:solidFill>
+        </p:spPr>
+        <p:txBody>
+          <a:bodyPr wrap="none" rtlCol="0">
+            <a:spAutoFit/>
+          </a:bodyPr>
+          <a:lstStyle/>
+          <a:p>
+            <a:r>
+              <a:rPr kumimoji="1" lang="ja-JP" altLang="en-US" sz="3600">
                 <a:latin typeface="Times New Roman" panose="02020603050405020304" pitchFamily="18" charset="0"/>
                 <a:ea typeface="YuKyokasho Medium" panose="02000500000000000000" pitchFamily="2" charset="-128"/>
                 <a:cs typeface="Times New Roman" panose="02020603050405020304" pitchFamily="18" charset="0"/>
               </a:rPr>
-              <a:t>局所性を反映</a:t>
-            </a:r>
+              <a:t>■</a:t>
+            </a:r>
+            <a:r>
+              <a:rPr kumimoji="1" lang="en-US" altLang="ja-JP" sz="3600" dirty="0">
+                <a:latin typeface="Times New Roman" panose="02020603050405020304" pitchFamily="18" charset="0"/>
+                <a:ea typeface="YuKyokasho Medium" panose="02000500000000000000" pitchFamily="2" charset="-128"/>
+                <a:cs typeface="Times New Roman" panose="02020603050405020304" pitchFamily="18" charset="0"/>
+              </a:rPr>
+              <a:t> </a:t>
+            </a:r>
+            <a:r>
+              <a:rPr kumimoji="1" lang="en-US" altLang="ja-JP" sz="2800" dirty="0">
+                <a:latin typeface="Times New Roman" panose="02020603050405020304" pitchFamily="18" charset="0"/>
+                <a:ea typeface="YuKyokasho Medium" panose="02000500000000000000" pitchFamily="2" charset="-128"/>
+                <a:cs typeface="Times New Roman" panose="02020603050405020304" pitchFamily="18" charset="0"/>
+              </a:rPr>
+              <a:t>(Well-conditioned) </a:t>
+            </a:r>
+            <a:r>
+              <a:rPr kumimoji="1" lang="en-US" altLang="ja-JP" sz="3600" dirty="0">
+                <a:latin typeface="Times New Roman" panose="02020603050405020304" pitchFamily="18" charset="0"/>
+                <a:ea typeface="YuKyokasho Medium" panose="02000500000000000000" pitchFamily="2" charset="-128"/>
+                <a:cs typeface="Times New Roman" panose="02020603050405020304" pitchFamily="18" charset="0"/>
+              </a:rPr>
+              <a:t>MPF</a:t>
+            </a:r>
+            <a:endParaRPr kumimoji="1" lang="ja-JP" altLang="en-US" sz="3600">
+              <a:latin typeface="Times New Roman" panose="02020603050405020304" pitchFamily="18" charset="0"/>
+              <a:ea typeface="YuKyokasho Medium" panose="02000500000000000000" pitchFamily="2" charset="-128"/>
+              <a:cs typeface="Times New Roman" panose="02020603050405020304" pitchFamily="18" charset="0"/>
+            </a:endParaRPr>
+          </a:p>
+        </p:txBody>
+      </p:sp>
+      <p:sp>
+        <p:nvSpPr>
+          <p:cNvPr id="3" name="テキスト ボックス 2">
+            <a:extLst>
+              <a:ext uri="{FF2B5EF4-FFF2-40B4-BE49-F238E27FC236}">
+                <a16:creationId xmlns:a16="http://schemas.microsoft.com/office/drawing/2014/main" id="{5CA7BC9C-E3D8-46A2-1A6A-3295CD531028}"/>
+              </a:ext>
+            </a:extLst>
+          </p:cNvPr>
+          <p:cNvSpPr txBox="1"/>
+          <p:nvPr/>
+        </p:nvSpPr>
+        <p:spPr>
+          <a:xfrm>
+            <a:off x="10279539" y="3075816"/>
+            <a:ext cx="2639645" cy="461665"/>
+          </a:xfrm>
+          <a:prstGeom prst="rect">
+            <a:avLst/>
+          </a:prstGeom>
+          <a:solidFill>
+            <a:schemeClr val="accent2">
+              <a:lumMod val="20000"/>
+              <a:lumOff val="80000"/>
+            </a:schemeClr>
+          </a:solidFill>
+        </p:spPr>
+        <p:txBody>
+          <a:bodyPr wrap="square" rtlCol="0">
+            <a:spAutoFit/>
+          </a:bodyPr>
+          <a:lstStyle/>
+          <a:p>
+            <a:pPr algn="ctr"/>
             <a:r>
               <a:rPr kumimoji="1" lang="en-US" altLang="ja-JP" sz="2400" dirty="0">
                 <a:latin typeface="Times New Roman" panose="02020603050405020304" pitchFamily="18" charset="0"/>
                 <a:ea typeface="YuKyokasho Medium" panose="02000500000000000000" pitchFamily="2" charset="-128"/>
                 <a:cs typeface="Times New Roman" panose="02020603050405020304" pitchFamily="18" charset="0"/>
               </a:rPr>
-              <a:t>)</a:t>
+              <a:t>QSVT</a:t>
             </a:r>
             <a:endParaRPr kumimoji="1" lang="ja-JP" altLang="en-US" sz="2400">
               <a:latin typeface="Times New Roman" panose="02020603050405020304" pitchFamily="18" charset="0"/>
@@ -4097,153 +3852,254 @@
           </a:p>
         </p:txBody>
       </p:sp>
-      <p:pic>
-        <p:nvPicPr>
-          <p:cNvPr id="56" name="Picture 8" descr="\begin{align*}&#10;  \subset \mathcal{O} \left( (g\tau)^{p+1} N\right)&#10;\end{align*}">
+      <p:sp>
+        <p:nvSpPr>
+          <p:cNvPr id="7" name="テキスト ボックス 6">
             <a:extLst>
               <a:ext uri="{FF2B5EF4-FFF2-40B4-BE49-F238E27FC236}">
-                <a16:creationId xmlns:a16="http://schemas.microsoft.com/office/drawing/2014/main" id="{8793615F-5EAC-A290-F45F-477EE246C4C1}"/>
+                <a16:creationId xmlns:a16="http://schemas.microsoft.com/office/drawing/2014/main" id="{9C98BCB2-4FBE-120D-60C1-064FCF5E58AB}"/>
               </a:ext>
             </a:extLst>
           </p:cNvPr>
-          <p:cNvPicPr>
-            <a:picLocks noChangeAspect="1" noChangeArrowheads="1"/>
-          </p:cNvPicPr>
+          <p:cNvSpPr txBox="1"/>
           <p:nvPr/>
-        </p:nvPicPr>
-        <p:blipFill>
-          <a:blip r:embed="rId6">
-            <a:extLst>
-              <a:ext uri="{28A0092B-C50C-407E-A947-70E740481C1C}">
-                <a14:useLocalDpi xmlns:a14="http://schemas.microsoft.com/office/drawing/2010/main" val="0"/>
-              </a:ext>
-            </a:extLst>
-          </a:blip>
-          <a:srcRect/>
-          <a:stretch>
-            <a:fillRect/>
-          </a:stretch>
-        </p:blipFill>
-        <p:spPr bwMode="auto">
+        </p:nvSpPr>
+        <p:spPr>
           <a:xfrm>
-            <a:off x="7028626" y="6839304"/>
-            <a:ext cx="2185837" cy="369331"/>
+            <a:off x="457888" y="3820498"/>
+            <a:ext cx="2420604" cy="400110"/>
           </a:xfrm>
           <a:prstGeom prst="rect">
             <a:avLst/>
           </a:prstGeom>
           <a:noFill/>
-          <a:extLst>
-            <a:ext uri="{909E8E84-426E-40DD-AFC4-6F175D3DCCD1}">
-              <a14:hiddenFill xmlns:a14="http://schemas.microsoft.com/office/drawing/2010/main">
-                <a:solidFill>
-                  <a:srgbClr val="FFFFFF"/>
-                </a:solidFill>
-              </a14:hiddenFill>
-            </a:ext>
-          </a:extLst>
         </p:spPr>
-      </p:pic>
-      <p:pic>
-        <p:nvPicPr>
-          <p:cNvPr id="57" name="Picture 10" descr="\begin{align*}&#10;  \tau^{p+1}&#10;\end{align*}">
+        <p:txBody>
+          <a:bodyPr wrap="square" rtlCol="0">
+            <a:spAutoFit/>
+          </a:bodyPr>
+          <a:lstStyle/>
+          <a:p>
+            <a:pPr algn="ctr"/>
+            <a:r>
+              <a:rPr kumimoji="1" lang="en-US" altLang="ja-JP" sz="2000" dirty="0">
+                <a:latin typeface="Times New Roman" panose="02020603050405020304" pitchFamily="18" charset="0"/>
+                <a:ea typeface="YuKyokasho Medium" panose="02000500000000000000" pitchFamily="2" charset="-128"/>
+                <a:cs typeface="Times New Roman" panose="02020603050405020304" pitchFamily="18" charset="0"/>
+              </a:rPr>
+              <a:t>Pros &amp; Cons</a:t>
+            </a:r>
+            <a:endParaRPr kumimoji="1" lang="ja-JP" altLang="en-US" sz="2000">
+              <a:latin typeface="Times New Roman" panose="02020603050405020304" pitchFamily="18" charset="0"/>
+              <a:ea typeface="YuKyokasho Medium" panose="02000500000000000000" pitchFamily="2" charset="-128"/>
+              <a:cs typeface="Times New Roman" panose="02020603050405020304" pitchFamily="18" charset="0"/>
+            </a:endParaRPr>
+          </a:p>
+        </p:txBody>
+      </p:sp>
+      <p:sp>
+        <p:nvSpPr>
+          <p:cNvPr id="8" name="テキスト ボックス 7">
             <a:extLst>
               <a:ext uri="{FF2B5EF4-FFF2-40B4-BE49-F238E27FC236}">
-                <a16:creationId xmlns:a16="http://schemas.microsoft.com/office/drawing/2014/main" id="{C126E24C-C76F-8F92-EEF4-5B829D26D403}"/>
+                <a16:creationId xmlns:a16="http://schemas.microsoft.com/office/drawing/2014/main" id="{E709323C-423A-C950-1187-6103D1BA9ED2}"/>
               </a:ext>
             </a:extLst>
           </p:cNvPr>
-          <p:cNvPicPr>
-            <a:picLocks noChangeAspect="1" noChangeArrowheads="1"/>
-          </p:cNvPicPr>
+          <p:cNvSpPr txBox="1"/>
           <p:nvPr/>
-        </p:nvPicPr>
-        <p:blipFill>
-          <a:blip r:embed="rId7">
-            <a:extLst>
-              <a:ext uri="{28A0092B-C50C-407E-A947-70E740481C1C}">
-                <a14:useLocalDpi xmlns:a14="http://schemas.microsoft.com/office/drawing/2010/main" val="0"/>
-              </a:ext>
-            </a:extLst>
-          </a:blip>
-          <a:srcRect/>
-          <a:stretch>
-            <a:fillRect/>
-          </a:stretch>
-        </p:blipFill>
-        <p:spPr bwMode="auto">
+        </p:nvSpPr>
+        <p:spPr>
           <a:xfrm>
-            <a:off x="11711142" y="5787641"/>
-            <a:ext cx="587984" cy="271376"/>
+            <a:off x="457888" y="4834883"/>
+            <a:ext cx="2420604" cy="400110"/>
           </a:xfrm>
           <a:prstGeom prst="rect">
             <a:avLst/>
           </a:prstGeom>
           <a:noFill/>
-          <a:extLst>
-            <a:ext uri="{909E8E84-426E-40DD-AFC4-6F175D3DCCD1}">
-              <a14:hiddenFill xmlns:a14="http://schemas.microsoft.com/office/drawing/2010/main">
-                <a:solidFill>
-                  <a:srgbClr val="FFFFFF"/>
-                </a:solidFill>
-              </a14:hiddenFill>
-            </a:ext>
-          </a:extLst>
         </p:spPr>
-      </p:pic>
-      <p:pic>
-        <p:nvPicPr>
-          <p:cNvPr id="60" name="Picture 2" descr="\begin{align*}&#10;  H = \sum_{\gamma=1}^\Gamma H_\gamma&#10;\end{align*}">
+        <p:txBody>
+          <a:bodyPr wrap="square" rtlCol="0">
+            <a:spAutoFit/>
+          </a:bodyPr>
+          <a:lstStyle/>
+          <a:p>
+            <a:pPr algn="ctr"/>
+            <a:r>
+              <a:rPr kumimoji="1" lang="en-US" altLang="ja-JP" sz="2000" dirty="0">
+                <a:latin typeface="Times New Roman" panose="02020603050405020304" pitchFamily="18" charset="0"/>
+                <a:ea typeface="YuKyokasho Medium" panose="02000500000000000000" pitchFamily="2" charset="-128"/>
+                <a:cs typeface="Times New Roman" panose="02020603050405020304" pitchFamily="18" charset="0"/>
+              </a:rPr>
+              <a:t>Origin</a:t>
+            </a:r>
+            <a:endParaRPr kumimoji="1" lang="ja-JP" altLang="en-US" sz="2000">
+              <a:latin typeface="Times New Roman" panose="02020603050405020304" pitchFamily="18" charset="0"/>
+              <a:ea typeface="YuKyokasho Medium" panose="02000500000000000000" pitchFamily="2" charset="-128"/>
+              <a:cs typeface="Times New Roman" panose="02020603050405020304" pitchFamily="18" charset="0"/>
+            </a:endParaRPr>
+          </a:p>
+        </p:txBody>
+      </p:sp>
+      <mc:AlternateContent xmlns:mc="http://schemas.openxmlformats.org/markup-compatibility/2006">
+        <mc:Choice xmlns:a14="http://schemas.microsoft.com/office/drawing/2010/main" Requires="a14">
+          <p:sp>
+            <p:nvSpPr>
+              <p:cNvPr id="9" name="テキスト ボックス 8">
+                <a:extLst>
+                  <a:ext uri="{FF2B5EF4-FFF2-40B4-BE49-F238E27FC236}">
+                    <a16:creationId xmlns:a16="http://schemas.microsoft.com/office/drawing/2014/main" id="{776C70A3-7D68-5CB1-429F-57C3C63647E0}"/>
+                  </a:ext>
+                </a:extLst>
+              </p:cNvPr>
+              <p:cNvSpPr txBox="1"/>
+              <p:nvPr/>
+            </p:nvSpPr>
+            <p:spPr>
+              <a:xfrm>
+                <a:off x="4846850" y="6367177"/>
+                <a:ext cx="8535046" cy="523220"/>
+              </a:xfrm>
+              <a:prstGeom prst="rect">
+                <a:avLst/>
+              </a:prstGeom>
+              <a:noFill/>
+            </p:spPr>
+            <p:txBody>
+              <a:bodyPr wrap="square" rtlCol="0">
+                <a:spAutoFit/>
+              </a:bodyPr>
+              <a:lstStyle/>
+              <a:p>
+                <a:r>
+                  <a:rPr kumimoji="1" lang="ja-JP" altLang="en-US" sz="2800">
+                    <a:latin typeface="Times New Roman" panose="02020603050405020304" pitchFamily="18" charset="0"/>
+                    <a:ea typeface="YuKyokasho Medium" panose="02000500000000000000" pitchFamily="2" charset="-128"/>
+                    <a:cs typeface="Times New Roman" panose="02020603050405020304" pitchFamily="18" charset="0"/>
+                  </a:rPr>
+                  <a:t>→</a:t>
+                </a:r>
+                <a:r>
+                  <a:rPr kumimoji="1" lang="en-US" altLang="ja-JP" sz="2800" dirty="0">
+                    <a:latin typeface="Times New Roman" panose="02020603050405020304" pitchFamily="18" charset="0"/>
+                    <a:ea typeface="YuKyokasho Medium" panose="02000500000000000000" pitchFamily="2" charset="-128"/>
+                    <a:cs typeface="Times New Roman" panose="02020603050405020304" pitchFamily="18" charset="0"/>
+                  </a:rPr>
+                  <a:t> Promising candidate simultaneously efficient in </a:t>
+                </a:r>
+                <a14:m>
+                  <m:oMath xmlns:m="http://schemas.openxmlformats.org/officeDocument/2006/math">
+                    <m:r>
+                      <a:rPr kumimoji="1" lang="en-US" altLang="ja-JP" sz="2800" b="0" i="1" smtClean="0">
+                        <a:latin typeface="Cambria Math" panose="02040503050406030204" pitchFamily="18" charset="0"/>
+                        <a:ea typeface="YuKyokasho Medium" panose="02000500000000000000" pitchFamily="2" charset="-128"/>
+                        <a:cs typeface="Times New Roman" panose="02020603050405020304" pitchFamily="18" charset="0"/>
+                      </a:rPr>
+                      <m:t>𝑁</m:t>
+                    </m:r>
+                    <m:r>
+                      <a:rPr kumimoji="1" lang="en-US" altLang="ja-JP" sz="2800" b="0" i="1" smtClean="0">
+                        <a:latin typeface="Cambria Math" panose="02040503050406030204" pitchFamily="18" charset="0"/>
+                        <a:ea typeface="YuKyokasho Medium" panose="02000500000000000000" pitchFamily="2" charset="-128"/>
+                        <a:cs typeface="Times New Roman" panose="02020603050405020304" pitchFamily="18" charset="0"/>
+                      </a:rPr>
+                      <m:t>,</m:t>
+                    </m:r>
+                    <m:r>
+                      <a:rPr kumimoji="1" lang="en-US" altLang="ja-JP" sz="2800" b="0" i="1" smtClean="0">
+                        <a:latin typeface="Cambria Math" panose="02040503050406030204" pitchFamily="18" charset="0"/>
+                        <a:ea typeface="YuKyokasho Medium" panose="02000500000000000000" pitchFamily="2" charset="-128"/>
+                        <a:cs typeface="Times New Roman" panose="02020603050405020304" pitchFamily="18" charset="0"/>
+                      </a:rPr>
+                      <m:t>𝑡</m:t>
+                    </m:r>
+                    <m:r>
+                      <a:rPr kumimoji="1" lang="en-US" altLang="ja-JP" sz="2800" b="0" i="1" smtClean="0">
+                        <a:latin typeface="Cambria Math" panose="02040503050406030204" pitchFamily="18" charset="0"/>
+                        <a:ea typeface="YuKyokasho Medium" panose="02000500000000000000" pitchFamily="2" charset="-128"/>
+                        <a:cs typeface="Times New Roman" panose="02020603050405020304" pitchFamily="18" charset="0"/>
+                      </a:rPr>
+                      <m:t>,</m:t>
+                    </m:r>
+                    <m:r>
+                      <a:rPr kumimoji="1" lang="en-US" altLang="ja-JP" sz="2800" b="0" i="1" smtClean="0">
+                        <a:latin typeface="Cambria Math" panose="02040503050406030204" pitchFamily="18" charset="0"/>
+                        <a:ea typeface="Cambria Math" panose="02040503050406030204" pitchFamily="18" charset="0"/>
+                        <a:cs typeface="Times New Roman" panose="02020603050405020304" pitchFamily="18" charset="0"/>
+                      </a:rPr>
+                      <m:t>𝜀</m:t>
+                    </m:r>
+                  </m:oMath>
+                </a14:m>
+                <a:r>
+                  <a:rPr kumimoji="1" lang="en-US" altLang="ja-JP" sz="2800" dirty="0">
+                    <a:latin typeface="Times New Roman" panose="02020603050405020304" pitchFamily="18" charset="0"/>
+                    <a:ea typeface="YuKyokasho Medium" panose="02000500000000000000" pitchFamily="2" charset="-128"/>
+                    <a:cs typeface="Times New Roman" panose="02020603050405020304" pitchFamily="18" charset="0"/>
+                  </a:rPr>
+                  <a:t> </a:t>
+                </a:r>
+                <a:endParaRPr kumimoji="1" lang="ja-JP" altLang="en-US" sz="2800">
+                  <a:latin typeface="Times New Roman" panose="02020603050405020304" pitchFamily="18" charset="0"/>
+                  <a:ea typeface="YuKyokasho Medium" panose="02000500000000000000" pitchFamily="2" charset="-128"/>
+                  <a:cs typeface="Times New Roman" panose="02020603050405020304" pitchFamily="18" charset="0"/>
+                </a:endParaRPr>
+              </a:p>
+            </p:txBody>
+          </p:sp>
+        </mc:Choice>
+        <mc:Fallback>
+          <p:sp>
+            <p:nvSpPr>
+              <p:cNvPr id="9" name="テキスト ボックス 8">
+                <a:extLst>
+                  <a:ext uri="{FF2B5EF4-FFF2-40B4-BE49-F238E27FC236}">
+                    <a16:creationId xmlns:a16="http://schemas.microsoft.com/office/drawing/2014/main" id="{776C70A3-7D68-5CB1-429F-57C3C63647E0}"/>
+                  </a:ext>
+                </a:extLst>
+              </p:cNvPr>
+              <p:cNvSpPr txBox="1">
+                <a:spLocks noRot="1" noChangeAspect="1" noMove="1" noResize="1" noEditPoints="1" noAdjustHandles="1" noChangeArrowheads="1" noChangeShapeType="1" noTextEdit="1"/>
+              </p:cNvSpPr>
+              <p:nvPr/>
+            </p:nvSpPr>
+            <p:spPr>
+              <a:xfrm>
+                <a:off x="4846850" y="6367177"/>
+                <a:ext cx="8535046" cy="523220"/>
+              </a:xfrm>
+              <a:prstGeom prst="rect">
+                <a:avLst/>
+              </a:prstGeom>
+              <a:blipFill>
+                <a:blip r:embed="rId3"/>
+                <a:stretch>
+                  <a:fillRect l="-1486" t="-11905" b="-33333"/>
+                </a:stretch>
+              </a:blipFill>
+            </p:spPr>
+            <p:txBody>
+              <a:bodyPr/>
+              <a:lstStyle/>
+              <a:p>
+                <a:r>
+                  <a:rPr lang="ja-JP" altLang="en-US">
+                    <a:noFill/>
+                  </a:rPr>
+                  <a:t> </a:t>
+                </a:r>
+              </a:p>
+            </p:txBody>
+          </p:sp>
+        </mc:Fallback>
+      </mc:AlternateContent>
+      <p:sp>
+        <p:nvSpPr>
+          <p:cNvPr id="10" name="正方形/長方形 9">
             <a:extLst>
               <a:ext uri="{FF2B5EF4-FFF2-40B4-BE49-F238E27FC236}">
-                <a16:creationId xmlns:a16="http://schemas.microsoft.com/office/drawing/2014/main" id="{36E71E18-F695-2AFD-57F4-D1F2090057FB}"/>
-              </a:ext>
-            </a:extLst>
-          </p:cNvPr>
-          <p:cNvPicPr>
-            <a:picLocks noChangeAspect="1" noChangeArrowheads="1"/>
-          </p:cNvPicPr>
-          <p:nvPr/>
-        </p:nvPicPr>
-        <p:blipFill>
-          <a:blip r:embed="rId8">
-            <a:extLst>
-              <a:ext uri="{28A0092B-C50C-407E-A947-70E740481C1C}">
-                <a14:useLocalDpi xmlns:a14="http://schemas.microsoft.com/office/drawing/2010/main" val="0"/>
-              </a:ext>
-            </a:extLst>
-          </a:blip>
-          <a:srcRect/>
-          <a:stretch>
-            <a:fillRect/>
-          </a:stretch>
-        </p:blipFill>
-        <p:spPr bwMode="auto">
-          <a:xfrm>
-            <a:off x="796775" y="5142258"/>
-            <a:ext cx="1592173" cy="949323"/>
-          </a:xfrm>
-          <a:prstGeom prst="rect">
-            <a:avLst/>
-          </a:prstGeom>
-          <a:noFill/>
-          <a:extLst>
-            <a:ext uri="{909E8E84-426E-40DD-AFC4-6F175D3DCCD1}">
-              <a14:hiddenFill xmlns:a14="http://schemas.microsoft.com/office/drawing/2010/main">
-                <a:solidFill>
-                  <a:srgbClr val="FFFFFF"/>
-                </a:solidFill>
-              </a14:hiddenFill>
-            </a:ext>
-          </a:extLst>
-        </p:spPr>
-      </p:pic>
-      <p:sp>
-        <p:nvSpPr>
-          <p:cNvPr id="61" name="正方形/長方形 60">
-            <a:extLst>
-              <a:ext uri="{FF2B5EF4-FFF2-40B4-BE49-F238E27FC236}">
-                <a16:creationId xmlns:a16="http://schemas.microsoft.com/office/drawing/2014/main" id="{809D0018-8FC2-ECF3-4F24-C6FEB2274247}"/>
+                <a16:creationId xmlns:a16="http://schemas.microsoft.com/office/drawing/2014/main" id="{1EBB3896-1465-C92B-CA1E-F64E4FFACD6F}"/>
               </a:ext>
             </a:extLst>
           </p:cNvPr>
@@ -4252,14 +4108,14 @@
         </p:nvSpPr>
         <p:spPr>
           <a:xfrm>
-            <a:off x="1395928" y="9216860"/>
-            <a:ext cx="1498204" cy="258507"/>
+            <a:off x="522577" y="9952399"/>
+            <a:ext cx="12461296" cy="734919"/>
           </a:xfrm>
           <a:prstGeom prst="rect">
             <a:avLst/>
           </a:prstGeom>
           <a:solidFill>
-            <a:schemeClr val="accent5">
+            <a:schemeClr val="accent6">
               <a:lumMod val="20000"/>
               <a:lumOff val="80000"/>
             </a:schemeClr>
@@ -4293,116 +4149,12 @@
           </a:p>
         </p:txBody>
       </p:sp>
-      <p:pic>
-        <p:nvPicPr>
-          <p:cNvPr id="63" name="Picture 4" descr="\begin{align*}&#10;  r \times \left( g \frac{t}{r}\right)^{p+1} N \leq \mathcal{O}(\varepsilon)&#10;\end{align*}">
+      <p:sp>
+        <p:nvSpPr>
+          <p:cNvPr id="11" name="テキスト ボックス 10">
             <a:extLst>
               <a:ext uri="{FF2B5EF4-FFF2-40B4-BE49-F238E27FC236}">
-                <a16:creationId xmlns:a16="http://schemas.microsoft.com/office/drawing/2014/main" id="{E6475181-0783-2F2C-451C-E2EC738DEC29}"/>
-              </a:ext>
-            </a:extLst>
-          </p:cNvPr>
-          <p:cNvPicPr>
-            <a:picLocks noChangeAspect="1" noChangeArrowheads="1"/>
-          </p:cNvPicPr>
-          <p:nvPr/>
-        </p:nvPicPr>
-        <p:blipFill>
-          <a:blip r:embed="rId9">
-            <a:clrChange>
-              <a:clrFrom>
-                <a:srgbClr val="FFFFFF"/>
-              </a:clrFrom>
-              <a:clrTo>
-                <a:srgbClr val="FFFFFF">
-                  <a:alpha val="0"/>
-                </a:srgbClr>
-              </a:clrTo>
-            </a:clrChange>
-            <a:extLst>
-              <a:ext uri="{28A0092B-C50C-407E-A947-70E740481C1C}">
-                <a14:useLocalDpi xmlns:a14="http://schemas.microsoft.com/office/drawing/2010/main" val="0"/>
-              </a:ext>
-            </a:extLst>
-          </a:blip>
-          <a:srcRect/>
-          <a:stretch>
-            <a:fillRect/>
-          </a:stretch>
-        </p:blipFill>
-        <p:spPr bwMode="auto">
-          <a:xfrm>
-            <a:off x="744337" y="8540860"/>
-            <a:ext cx="3289221" cy="835849"/>
-          </a:xfrm>
-          <a:prstGeom prst="rect">
-            <a:avLst/>
-          </a:prstGeom>
-          <a:noFill/>
-          <a:extLst>
-            <a:ext uri="{909E8E84-426E-40DD-AFC4-6F175D3DCCD1}">
-              <a14:hiddenFill xmlns:a14="http://schemas.microsoft.com/office/drawing/2010/main">
-                <a:solidFill>
-                  <a:srgbClr val="FFFFFF"/>
-                </a:solidFill>
-              </a14:hiddenFill>
-            </a:ext>
-          </a:extLst>
-        </p:spPr>
-      </p:pic>
-      <p:pic>
-        <p:nvPicPr>
-          <p:cNvPr id="1024" name="Picture 6" descr="\begin{align*}&#10;  r \in \Theta \left( gt \left( \frac{Ngt}{\varepsilon}\right)^{\frac1p}\right)&#10;\end{align*}">
-            <a:extLst>
-              <a:ext uri="{FF2B5EF4-FFF2-40B4-BE49-F238E27FC236}">
-                <a16:creationId xmlns:a16="http://schemas.microsoft.com/office/drawing/2014/main" id="{4C10FD48-3D87-ED0A-7D71-F335DC69CA13}"/>
-              </a:ext>
-            </a:extLst>
-          </p:cNvPr>
-          <p:cNvPicPr>
-            <a:picLocks noChangeAspect="1" noChangeArrowheads="1"/>
-          </p:cNvPicPr>
-          <p:nvPr/>
-        </p:nvPicPr>
-        <p:blipFill>
-          <a:blip r:embed="rId10">
-            <a:extLst>
-              <a:ext uri="{28A0092B-C50C-407E-A947-70E740481C1C}">
-                <a14:useLocalDpi xmlns:a14="http://schemas.microsoft.com/office/drawing/2010/main" val="0"/>
-              </a:ext>
-            </a:extLst>
-          </a:blip>
-          <a:srcRect/>
-          <a:stretch>
-            <a:fillRect/>
-          </a:stretch>
-        </p:blipFill>
-        <p:spPr bwMode="auto">
-          <a:xfrm>
-            <a:off x="4939692" y="9831757"/>
-            <a:ext cx="3167504" cy="1055835"/>
-          </a:xfrm>
-          <a:prstGeom prst="rect">
-            <a:avLst/>
-          </a:prstGeom>
-          <a:noFill/>
-          <a:extLst>
-            <a:ext uri="{909E8E84-426E-40DD-AFC4-6F175D3DCCD1}">
-              <a14:hiddenFill xmlns:a14="http://schemas.microsoft.com/office/drawing/2010/main">
-                <a:solidFill>
-                  <a:srgbClr val="FFFFFF"/>
-                </a:solidFill>
-              </a14:hiddenFill>
-            </a:ext>
-          </a:extLst>
-        </p:spPr>
-      </p:pic>
-      <p:sp>
-        <p:nvSpPr>
-          <p:cNvPr id="1027" name="テキスト ボックス 1026">
-            <a:extLst>
-              <a:ext uri="{FF2B5EF4-FFF2-40B4-BE49-F238E27FC236}">
-                <a16:creationId xmlns:a16="http://schemas.microsoft.com/office/drawing/2014/main" id="{0DAA0434-FEBF-E539-7FB9-2D25C1CB210B}"/>
+                <a16:creationId xmlns:a16="http://schemas.microsoft.com/office/drawing/2014/main" id="{B94C5BE9-AD86-FF81-A3CE-AB7C9E785988}"/>
               </a:ext>
             </a:extLst>
           </p:cNvPr>
@@ -4411,8 +4163,8 @@
         </p:nvSpPr>
         <p:spPr>
           <a:xfrm>
-            <a:off x="1331760" y="9345748"/>
-            <a:ext cx="1683550" cy="400110"/>
+            <a:off x="680089" y="9751947"/>
+            <a:ext cx="1794574" cy="400110"/>
           </a:xfrm>
           <a:prstGeom prst="rect">
             <a:avLst/>
@@ -4426,154 +4178,14 @@
           <a:lstStyle/>
           <a:p>
             <a:r>
-              <a:rPr kumimoji="1" lang="en-US" altLang="ja-JP" sz="2000" dirty="0">
-                <a:solidFill>
-                  <a:schemeClr val="accent1"/>
-                </a:solidFill>
+              <a:rPr kumimoji="1" lang="en-US" altLang="ja-JP" sz="2000" b="1" dirty="0">
                 <a:latin typeface="Times New Roman" panose="02020603050405020304" pitchFamily="18" charset="0"/>
                 <a:ea typeface="YuKyokasho Medium" panose="02000500000000000000" pitchFamily="2" charset="-128"/>
                 <a:cs typeface="Times New Roman" panose="02020603050405020304" pitchFamily="18" charset="0"/>
               </a:rPr>
-              <a:t>1 step </a:t>
-            </a:r>
-            <a:r>
-              <a:rPr kumimoji="1" lang="ja-JP" altLang="en-US" sz="2000">
-                <a:solidFill>
-                  <a:schemeClr val="accent1"/>
-                </a:solidFill>
-                <a:latin typeface="Times New Roman" panose="02020603050405020304" pitchFamily="18" charset="0"/>
-                <a:ea typeface="YuKyokasho Medium" panose="02000500000000000000" pitchFamily="2" charset="-128"/>
-                <a:cs typeface="Times New Roman" panose="02020603050405020304" pitchFamily="18" charset="0"/>
-              </a:rPr>
-              <a:t>の誤差</a:t>
-            </a:r>
-          </a:p>
-        </p:txBody>
-      </p:sp>
-      <p:sp>
-        <p:nvSpPr>
-          <p:cNvPr id="1028" name="正方形/長方形 1027">
-            <a:extLst>
-              <a:ext uri="{FF2B5EF4-FFF2-40B4-BE49-F238E27FC236}">
-                <a16:creationId xmlns:a16="http://schemas.microsoft.com/office/drawing/2014/main" id="{C5C301A5-83D6-EAA4-CC53-4187B36553D7}"/>
-              </a:ext>
-            </a:extLst>
-          </p:cNvPr>
-          <p:cNvSpPr/>
-          <p:nvPr/>
-        </p:nvSpPr>
-        <p:spPr>
-          <a:xfrm>
-            <a:off x="3323918" y="9216860"/>
-            <a:ext cx="709640" cy="258507"/>
-          </a:xfrm>
-          <a:prstGeom prst="rect">
-            <a:avLst/>
-          </a:prstGeom>
-          <a:solidFill>
-            <a:schemeClr val="accent2">
-              <a:lumMod val="20000"/>
-              <a:lumOff val="80000"/>
-            </a:schemeClr>
-          </a:solidFill>
-          <a:ln>
-            <a:noFill/>
-          </a:ln>
-        </p:spPr>
-        <p:style>
-          <a:lnRef idx="2">
-            <a:schemeClr val="accent1">
-              <a:shade val="15000"/>
-            </a:schemeClr>
-          </a:lnRef>
-          <a:fillRef idx="1">
-            <a:schemeClr val="accent1"/>
-          </a:fillRef>
-          <a:effectRef idx="0">
-            <a:schemeClr val="accent1"/>
-          </a:effectRef>
-          <a:fontRef idx="minor">
-            <a:schemeClr val="lt1"/>
-          </a:fontRef>
-        </p:style>
-        <p:txBody>
-          <a:bodyPr rtlCol="0" anchor="ctr"/>
-          <a:lstStyle/>
-          <a:p>
-            <a:pPr algn="ctr"/>
-            <a:endParaRPr kumimoji="1" lang="ja-JP" altLang="en-US"/>
-          </a:p>
-        </p:txBody>
-      </p:sp>
-      <p:sp>
-        <p:nvSpPr>
-          <p:cNvPr id="1030" name="テキスト ボックス 1029">
-            <a:extLst>
-              <a:ext uri="{FF2B5EF4-FFF2-40B4-BE49-F238E27FC236}">
-                <a16:creationId xmlns:a16="http://schemas.microsoft.com/office/drawing/2014/main" id="{7FACFB40-1180-67C0-AB30-3773FC28D9D5}"/>
-              </a:ext>
-            </a:extLst>
-          </p:cNvPr>
-          <p:cNvSpPr txBox="1"/>
-          <p:nvPr/>
-        </p:nvSpPr>
-        <p:spPr>
-          <a:xfrm>
-            <a:off x="4510861" y="9198503"/>
-            <a:ext cx="3199386" cy="461665"/>
-          </a:xfrm>
-          <a:prstGeom prst="rect">
-            <a:avLst/>
-          </a:prstGeom>
-          <a:noFill/>
-        </p:spPr>
-        <p:txBody>
-          <a:bodyPr wrap="square" rtlCol="0">
-            <a:spAutoFit/>
-          </a:bodyPr>
-          <a:lstStyle/>
-          <a:p>
-            <a:r>
-              <a:rPr kumimoji="1" lang="en-US" altLang="ja-JP" sz="2400" b="1" u="sng" dirty="0">
-                <a:latin typeface="Times New Roman" panose="02020603050405020304" pitchFamily="18" charset="0"/>
-                <a:ea typeface="YuKyokasho Medium" panose="02000500000000000000" pitchFamily="2" charset="-128"/>
-                <a:cs typeface="Times New Roman" panose="02020603050405020304" pitchFamily="18" charset="0"/>
-              </a:rPr>
-              <a:t>Trotter </a:t>
-            </a:r>
-            <a:r>
-              <a:rPr kumimoji="1" lang="ja-JP" altLang="en-US" sz="2400" b="1" u="sng">
-                <a:latin typeface="Times New Roman" panose="02020603050405020304" pitchFamily="18" charset="0"/>
-                <a:ea typeface="YuKyokasho Medium" panose="02000500000000000000" pitchFamily="2" charset="-128"/>
-                <a:cs typeface="Times New Roman" panose="02020603050405020304" pitchFamily="18" charset="0"/>
-              </a:rPr>
-              <a:t>数</a:t>
-            </a:r>
-            <a:r>
-              <a:rPr kumimoji="1" lang="en-US" altLang="ja-JP" sz="2400" b="1" u="sng" dirty="0">
-                <a:latin typeface="Times New Roman" panose="02020603050405020304" pitchFamily="18" charset="0"/>
-                <a:ea typeface="YuKyokasho Medium" panose="02000500000000000000" pitchFamily="2" charset="-128"/>
-                <a:cs typeface="Times New Roman" panose="02020603050405020304" pitchFamily="18" charset="0"/>
-              </a:rPr>
-              <a:t> (</a:t>
-            </a:r>
-            <a:r>
-              <a:rPr kumimoji="1" lang="ja-JP" altLang="en-US" sz="2400" b="1" u="sng">
-                <a:latin typeface="Times New Roman" panose="02020603050405020304" pitchFamily="18" charset="0"/>
-                <a:ea typeface="YuKyokasho Medium" panose="02000500000000000000" pitchFamily="2" charset="-128"/>
-                <a:cs typeface="Times New Roman" panose="02020603050405020304" pitchFamily="18" charset="0"/>
-              </a:rPr>
-              <a:t>複雑性</a:t>
-            </a:r>
-            <a:r>
-              <a:rPr kumimoji="1" lang="en-US" altLang="ja-JP" sz="2400" b="1" u="sng" dirty="0">
-                <a:latin typeface="Times New Roman" panose="02020603050405020304" pitchFamily="18" charset="0"/>
-                <a:ea typeface="YuKyokasho Medium" panose="02000500000000000000" pitchFamily="2" charset="-128"/>
-                <a:cs typeface="Times New Roman" panose="02020603050405020304" pitchFamily="18" charset="0"/>
-              </a:rPr>
-              <a:t>)</a:t>
-            </a:r>
-            <a:endParaRPr kumimoji="1" lang="ja-JP" altLang="en-US" sz="2400" b="1" u="sng">
+              <a:t>Open problem</a:t>
+            </a:r>
+            <a:endParaRPr kumimoji="1" lang="ja-JP" altLang="en-US" sz="2000" b="1">
               <a:latin typeface="Times New Roman" panose="02020603050405020304" pitchFamily="18" charset="0"/>
               <a:ea typeface="YuKyokasho Medium" panose="02000500000000000000" pitchFamily="2" charset="-128"/>
               <a:cs typeface="Times New Roman" panose="02020603050405020304" pitchFamily="18" charset="0"/>
@@ -4581,131 +4193,14 @@
           </a:p>
         </p:txBody>
       </p:sp>
-      <p:sp>
-        <p:nvSpPr>
-          <p:cNvPr id="1031" name="右矢印 1030">
-            <a:extLst>
-              <a:ext uri="{FF2B5EF4-FFF2-40B4-BE49-F238E27FC236}">
-                <a16:creationId xmlns:a16="http://schemas.microsoft.com/office/drawing/2014/main" id="{A53C6459-CEA1-00BE-A71F-8DED5EDA9A64}"/>
-              </a:ext>
-            </a:extLst>
-          </p:cNvPr>
-          <p:cNvSpPr/>
-          <p:nvPr/>
-        </p:nvSpPr>
-        <p:spPr>
-          <a:xfrm>
-            <a:off x="3597665" y="10123233"/>
-            <a:ext cx="978742" cy="484632"/>
-          </a:xfrm>
-          <a:prstGeom prst="rightArrow">
-            <a:avLst/>
-          </a:prstGeom>
-        </p:spPr>
-        <p:style>
-          <a:lnRef idx="2">
-            <a:schemeClr val="accent1">
-              <a:shade val="15000"/>
-            </a:schemeClr>
-          </a:lnRef>
-          <a:fillRef idx="1">
-            <a:schemeClr val="accent1"/>
-          </a:fillRef>
-          <a:effectRef idx="0">
-            <a:schemeClr val="accent1"/>
-          </a:effectRef>
-          <a:fontRef idx="minor">
-            <a:schemeClr val="lt1"/>
-          </a:fontRef>
-        </p:style>
-        <p:txBody>
-          <a:bodyPr rtlCol="0" anchor="ctr"/>
-          <a:lstStyle/>
-          <a:p>
-            <a:pPr algn="ctr"/>
-            <a:endParaRPr kumimoji="1" lang="ja-JP" altLang="en-US"/>
-          </a:p>
-        </p:txBody>
-      </p:sp>
-      <p:sp>
-        <p:nvSpPr>
-          <p:cNvPr id="1033" name="テキスト ボックス 1032">
-            <a:extLst>
-              <a:ext uri="{FF2B5EF4-FFF2-40B4-BE49-F238E27FC236}">
-                <a16:creationId xmlns:a16="http://schemas.microsoft.com/office/drawing/2014/main" id="{6A3768D8-22F0-D6E0-9C36-4323F84436DE}"/>
-              </a:ext>
-            </a:extLst>
-          </p:cNvPr>
-          <p:cNvSpPr txBox="1"/>
-          <p:nvPr/>
-        </p:nvSpPr>
-        <p:spPr>
-          <a:xfrm>
-            <a:off x="8913365" y="8415417"/>
-            <a:ext cx="4423543" cy="830997"/>
-          </a:xfrm>
-          <a:prstGeom prst="rect">
-            <a:avLst/>
-          </a:prstGeom>
-          <a:noFill/>
-        </p:spPr>
-        <p:txBody>
-          <a:bodyPr wrap="square" rtlCol="0">
-            <a:spAutoFit/>
-          </a:bodyPr>
-          <a:lstStyle/>
-          <a:p>
-            <a:r>
-              <a:rPr kumimoji="1" lang="ja-JP" altLang="en-US" sz="2400">
-                <a:latin typeface="Times New Roman" panose="02020603050405020304" pitchFamily="18" charset="0"/>
-                <a:ea typeface="YuKyokasho Medium" panose="02000500000000000000" pitchFamily="2" charset="-128"/>
-                <a:cs typeface="Times New Roman" panose="02020603050405020304" pitchFamily="18" charset="0"/>
-              </a:rPr>
-              <a:t>✅</a:t>
-            </a:r>
-            <a:r>
-              <a:rPr kumimoji="1" lang="en-US" altLang="ja-JP" sz="2400" dirty="0">
-                <a:latin typeface="Times New Roman" panose="02020603050405020304" pitchFamily="18" charset="0"/>
-                <a:ea typeface="YuKyokasho Medium" panose="02000500000000000000" pitchFamily="2" charset="-128"/>
-                <a:cs typeface="Times New Roman" panose="02020603050405020304" pitchFamily="18" charset="0"/>
-              </a:rPr>
-              <a:t>  </a:t>
-            </a:r>
-            <a:r>
-              <a:rPr kumimoji="1" lang="ja-JP" altLang="en-US" sz="2400">
-                <a:latin typeface="Times New Roman" panose="02020603050405020304" pitchFamily="18" charset="0"/>
-                <a:ea typeface="YuKyokasho Medium" panose="02000500000000000000" pitchFamily="2" charset="-128"/>
-                <a:cs typeface="Times New Roman" panose="02020603050405020304" pitchFamily="18" charset="0"/>
-              </a:rPr>
-              <a:t>任意の初期状態</a:t>
-            </a:r>
-            <a:endParaRPr kumimoji="1" lang="en-US" altLang="ja-JP" sz="2400" dirty="0">
-              <a:latin typeface="Times New Roman" panose="02020603050405020304" pitchFamily="18" charset="0"/>
-              <a:ea typeface="YuKyokasho Medium" panose="02000500000000000000" pitchFamily="2" charset="-128"/>
-              <a:cs typeface="Times New Roman" panose="02020603050405020304" pitchFamily="18" charset="0"/>
-            </a:endParaRPr>
-          </a:p>
-          <a:p>
-            <a:pPr algn="r"/>
-            <a:r>
-              <a:rPr kumimoji="1" lang="ja-JP" altLang="en-US" sz="2400">
-                <a:latin typeface="Times New Roman" panose="02020603050405020304" pitchFamily="18" charset="0"/>
-                <a:ea typeface="YuKyokasho Medium" panose="02000500000000000000" pitchFamily="2" charset="-128"/>
-                <a:cs typeface="Times New Roman" panose="02020603050405020304" pitchFamily="18" charset="0"/>
-              </a:rPr>
-              <a:t>に対する精度保証</a:t>
-            </a:r>
-          </a:p>
-        </p:txBody>
-      </p:sp>
       <mc:AlternateContent xmlns:mc="http://schemas.openxmlformats.org/markup-compatibility/2006">
         <mc:Choice xmlns:a14="http://schemas.microsoft.com/office/drawing/2010/main" Requires="a14">
           <p:sp>
             <p:nvSpPr>
-              <p:cNvPr id="1034" name="テキスト ボックス 1033">
+              <p:cNvPr id="12" name="テキスト ボックス 11">
                 <a:extLst>
                   <a:ext uri="{FF2B5EF4-FFF2-40B4-BE49-F238E27FC236}">
-                    <a16:creationId xmlns:a16="http://schemas.microsoft.com/office/drawing/2014/main" id="{B3F9F8C6-D759-6BED-2C14-CF20FB425A44}"/>
+                    <a16:creationId xmlns:a16="http://schemas.microsoft.com/office/drawing/2014/main" id="{1C9855B0-D53E-8151-9289-FAAC4FF03263}"/>
                   </a:ext>
                 </a:extLst>
               </p:cNvPr>
@@ -4714,8 +4209,8 @@
             </p:nvSpPr>
             <p:spPr>
               <a:xfrm>
-                <a:off x="8913365" y="9251354"/>
-                <a:ext cx="4492354" cy="830997"/>
+                <a:off x="2335047" y="10058248"/>
+                <a:ext cx="8535046" cy="523220"/>
               </a:xfrm>
               <a:prstGeom prst="rect">
                 <a:avLst/>
@@ -4729,81 +4224,70 @@
               <a:lstStyle/>
               <a:p>
                 <a:r>
-                  <a:rPr kumimoji="1" lang="ja-JP" altLang="en-US" sz="2400">
+                  <a:rPr kumimoji="1" lang="en-US" altLang="ja-JP" sz="2800" dirty="0">
                     <a:latin typeface="Times New Roman" panose="02020603050405020304" pitchFamily="18" charset="0"/>
                     <a:ea typeface="YuKyokasho Medium" panose="02000500000000000000" pitchFamily="2" charset="-128"/>
                     <a:cs typeface="Times New Roman" panose="02020603050405020304" pitchFamily="18" charset="0"/>
                   </a:rPr>
-                  <a:t>✅</a:t>
-                </a:r>
-                <a:r>
-                  <a:rPr kumimoji="1" lang="en-US" altLang="ja-JP" sz="2400" dirty="0">
-                    <a:latin typeface="Times New Roman" panose="02020603050405020304" pitchFamily="18" charset="0"/>
-                    <a:ea typeface="YuKyokasho Medium" panose="02000500000000000000" pitchFamily="2" charset="-128"/>
-                    <a:cs typeface="Times New Roman" panose="02020603050405020304" pitchFamily="18" charset="0"/>
-                  </a:rPr>
-                  <a:t> </a:t>
-                </a:r>
-                <a:r>
-                  <a:rPr kumimoji="1" lang="ja-JP" altLang="en-US" sz="2400">
-                    <a:latin typeface="Times New Roman" panose="02020603050405020304" pitchFamily="18" charset="0"/>
-                    <a:ea typeface="YuKyokasho Medium" panose="02000500000000000000" pitchFamily="2" charset="-128"/>
-                    <a:cs typeface="Times New Roman" panose="02020603050405020304" pitchFamily="18" charset="0"/>
-                  </a:rPr>
-                  <a:t>交換子スケーリングによる</a:t>
-                </a:r>
-                <a:endParaRPr kumimoji="1" lang="en-US" altLang="ja-JP" sz="2400" dirty="0">
-                  <a:latin typeface="Times New Roman" panose="02020603050405020304" pitchFamily="18" charset="0"/>
-                  <a:ea typeface="YuKyokasho Medium" panose="02000500000000000000" pitchFamily="2" charset="-128"/>
-                  <a:cs typeface="Times New Roman" panose="02020603050405020304" pitchFamily="18" charset="0"/>
-                </a:endParaRPr>
-              </a:p>
-              <a:p>
-                <a:pPr algn="r"/>
-                <a:r>
-                  <a:rPr kumimoji="1" lang="ja-JP" altLang="en-US" sz="2400">
-                    <a:latin typeface="Times New Roman" panose="02020603050405020304" pitchFamily="18" charset="0"/>
-                    <a:ea typeface="YuKyokasho Medium" panose="02000500000000000000" pitchFamily="2" charset="-128"/>
-                    <a:cs typeface="Times New Roman" panose="02020603050405020304" pitchFamily="18" charset="0"/>
-                  </a:rPr>
-                  <a:t>良い系サイズ</a:t>
-                </a:r>
-                <a:r>
-                  <a:rPr kumimoji="1" lang="en-US" altLang="ja-JP" sz="2400" dirty="0">
-                    <a:latin typeface="Times New Roman" panose="02020603050405020304" pitchFamily="18" charset="0"/>
-                    <a:ea typeface="YuKyokasho Medium" panose="02000500000000000000" pitchFamily="2" charset="-128"/>
-                    <a:cs typeface="Times New Roman" panose="02020603050405020304" pitchFamily="18" charset="0"/>
-                  </a:rPr>
-                  <a:t> </a:t>
+                  <a:t>Does the cost of MPF has good scaling in any of </a:t>
                 </a:r>
                 <a14:m>
                   <m:oMath xmlns:m="http://schemas.openxmlformats.org/officeDocument/2006/math">
                     <m:r>
-                      <a:rPr kumimoji="1" lang="en-US" altLang="ja-JP" sz="2400" b="0" i="1" smtClean="0">
+                      <a:rPr kumimoji="1" lang="en-US" altLang="ja-JP" sz="2800" b="0" i="1" smtClean="0">
                         <a:latin typeface="Cambria Math" panose="02040503050406030204" pitchFamily="18" charset="0"/>
                         <a:ea typeface="YuKyokasho Medium" panose="02000500000000000000" pitchFamily="2" charset="-128"/>
                         <a:cs typeface="Times New Roman" panose="02020603050405020304" pitchFamily="18" charset="0"/>
                       </a:rPr>
                       <m:t>𝑁</m:t>
                     </m:r>
+                    <m:r>
+                      <a:rPr kumimoji="1" lang="en-US" altLang="ja-JP" sz="2800" b="0" i="1" smtClean="0">
+                        <a:latin typeface="Cambria Math" panose="02040503050406030204" pitchFamily="18" charset="0"/>
+                        <a:ea typeface="YuKyokasho Medium" panose="02000500000000000000" pitchFamily="2" charset="-128"/>
+                        <a:cs typeface="Times New Roman" panose="02020603050405020304" pitchFamily="18" charset="0"/>
+                      </a:rPr>
+                      <m:t>,</m:t>
+                    </m:r>
+                    <m:r>
+                      <a:rPr kumimoji="1" lang="en-US" altLang="ja-JP" sz="2800" b="0" i="1" smtClean="0">
+                        <a:latin typeface="Cambria Math" panose="02040503050406030204" pitchFamily="18" charset="0"/>
+                        <a:ea typeface="YuKyokasho Medium" panose="02000500000000000000" pitchFamily="2" charset="-128"/>
+                        <a:cs typeface="Times New Roman" panose="02020603050405020304" pitchFamily="18" charset="0"/>
+                      </a:rPr>
+                      <m:t>𝑡</m:t>
+                    </m:r>
+                    <m:r>
+                      <a:rPr kumimoji="1" lang="en-US" altLang="ja-JP" sz="2800" b="0" i="1" smtClean="0">
+                        <a:latin typeface="Cambria Math" panose="02040503050406030204" pitchFamily="18" charset="0"/>
+                        <a:ea typeface="YuKyokasho Medium" panose="02000500000000000000" pitchFamily="2" charset="-128"/>
+                        <a:cs typeface="Times New Roman" panose="02020603050405020304" pitchFamily="18" charset="0"/>
+                      </a:rPr>
+                      <m:t>, </m:t>
+                    </m:r>
+                    <m:r>
+                      <a:rPr kumimoji="1" lang="en-US" altLang="ja-JP" sz="2800" b="0" i="1" smtClean="0">
+                        <a:latin typeface="Cambria Math" panose="02040503050406030204" pitchFamily="18" charset="0"/>
+                        <a:ea typeface="Cambria Math" panose="02040503050406030204" pitchFamily="18" charset="0"/>
+                        <a:cs typeface="Times New Roman" panose="02020603050405020304" pitchFamily="18" charset="0"/>
+                      </a:rPr>
+                      <m:t>𝜀</m:t>
+                    </m:r>
                   </m:oMath>
                 </a14:m>
                 <a:r>
-                  <a:rPr kumimoji="1" lang="en-US" altLang="ja-JP" sz="2400" dirty="0">
+                  <a:rPr kumimoji="1" lang="en-US" altLang="ja-JP" sz="2800" dirty="0">
                     <a:latin typeface="Times New Roman" panose="02020603050405020304" pitchFamily="18" charset="0"/>
                     <a:ea typeface="YuKyokasho Medium" panose="02000500000000000000" pitchFamily="2" charset="-128"/>
                     <a:cs typeface="Times New Roman" panose="02020603050405020304" pitchFamily="18" charset="0"/>
                   </a:rPr>
-                  <a:t> </a:t>
+                  <a:t> ?</a:t>
                 </a:r>
-                <a:r>
-                  <a:rPr kumimoji="1" lang="ja-JP" altLang="en-US" sz="2400">
-                    <a:latin typeface="Times New Roman" panose="02020603050405020304" pitchFamily="18" charset="0"/>
-                    <a:ea typeface="YuKyokasho Medium" panose="02000500000000000000" pitchFamily="2" charset="-128"/>
-                    <a:cs typeface="Times New Roman" panose="02020603050405020304" pitchFamily="18" charset="0"/>
-                  </a:rPr>
-                  <a:t>依存性</a:t>
-                </a:r>
+                <a:endParaRPr kumimoji="1" lang="ja-JP" altLang="en-US" sz="2800">
+                  <a:latin typeface="Times New Roman" panose="02020603050405020304" pitchFamily="18" charset="0"/>
+                  <a:ea typeface="YuKyokasho Medium" panose="02000500000000000000" pitchFamily="2" charset="-128"/>
+                  <a:cs typeface="Times New Roman" panose="02020603050405020304" pitchFamily="18" charset="0"/>
+                </a:endParaRPr>
               </a:p>
             </p:txBody>
           </p:sp>
@@ -4811,10 +4295,10 @@
         <mc:Fallback>
           <p:sp>
             <p:nvSpPr>
-              <p:cNvPr id="1034" name="テキスト ボックス 1033">
+              <p:cNvPr id="12" name="テキスト ボックス 11">
                 <a:extLst>
                   <a:ext uri="{FF2B5EF4-FFF2-40B4-BE49-F238E27FC236}">
-                    <a16:creationId xmlns:a16="http://schemas.microsoft.com/office/drawing/2014/main" id="{B3F9F8C6-D759-6BED-2C14-CF20FB425A44}"/>
+                    <a16:creationId xmlns:a16="http://schemas.microsoft.com/office/drawing/2014/main" id="{1C9855B0-D53E-8151-9289-FAAC4FF03263}"/>
                   </a:ext>
                 </a:extLst>
               </p:cNvPr>
@@ -4825,16 +4309,16 @@
             </p:nvSpPr>
             <p:spPr>
               <a:xfrm>
-                <a:off x="8913365" y="9251354"/>
-                <a:ext cx="4492354" cy="830997"/>
+                <a:off x="2335047" y="10058248"/>
+                <a:ext cx="8535046" cy="523220"/>
               </a:xfrm>
               <a:prstGeom prst="rect">
                 <a:avLst/>
               </a:prstGeom>
               <a:blipFill>
-                <a:blip r:embed="rId11"/>
+                <a:blip r:embed="rId4"/>
                 <a:stretch>
-                  <a:fillRect l="-1972" t="-9091" r="-2254" b="-12121"/>
+                  <a:fillRect l="-1486" t="-14286" b="-30952"/>
                 </a:stretch>
               </a:blipFill>
             </p:spPr>
@@ -4855,10 +4339,10 @@
       </mc:AlternateContent>
       <p:sp>
         <p:nvSpPr>
-          <p:cNvPr id="1036" name="テキスト ボックス 1035">
+          <p:cNvPr id="13" name="テキスト ボックス 12">
             <a:extLst>
               <a:ext uri="{FF2B5EF4-FFF2-40B4-BE49-F238E27FC236}">
-                <a16:creationId xmlns:a16="http://schemas.microsoft.com/office/drawing/2014/main" id="{467C6411-B680-73D0-07C5-96E3061F81B5}"/>
+                <a16:creationId xmlns:a16="http://schemas.microsoft.com/office/drawing/2014/main" id="{D36505F9-C0AC-F29B-3506-B19DB79BE4DB}"/>
               </a:ext>
             </a:extLst>
           </p:cNvPr>
@@ -4867,8 +4351,8 @@
         </p:nvSpPr>
         <p:spPr>
           <a:xfrm>
-            <a:off x="9567668" y="10679628"/>
-            <a:ext cx="2097024" cy="276999"/>
+            <a:off x="3468441" y="4804105"/>
+            <a:ext cx="2756818" cy="461665"/>
           </a:xfrm>
           <a:prstGeom prst="rect">
             <a:avLst/>
@@ -4876,46 +4360,22 @@
           <a:noFill/>
         </p:spPr>
         <p:txBody>
-          <a:bodyPr wrap="square">
+          <a:bodyPr wrap="square" rtlCol="0">
             <a:spAutoFit/>
           </a:bodyPr>
           <a:lstStyle/>
           <a:p>
             <a:r>
-              <a:rPr lang="en-US" altLang="ja-JP" sz="1200" dirty="0">
-                <a:solidFill>
-                  <a:srgbClr val="002060"/>
-                </a:solidFill>
+              <a:rPr kumimoji="1" lang="en-US" altLang="ja-JP" sz="2400" dirty="0">
                 <a:latin typeface="Times New Roman" panose="02020603050405020304" pitchFamily="18" charset="0"/>
+                <a:ea typeface="YuKyokasho Medium" panose="02000500000000000000" pitchFamily="2" charset="-128"/>
                 <a:cs typeface="Times New Roman" panose="02020603050405020304" pitchFamily="18" charset="0"/>
               </a:rPr>
-              <a:t>A. </a:t>
-            </a:r>
-            <a:r>
-              <a:rPr lang="en-US" altLang="ja-JP" sz="1200" dirty="0" err="1">
-                <a:solidFill>
-                  <a:srgbClr val="002060"/>
-                </a:solidFill>
-                <a:latin typeface="Times New Roman" panose="02020603050405020304" pitchFamily="18" charset="0"/>
-                <a:cs typeface="Times New Roman" panose="02020603050405020304" pitchFamily="18" charset="0"/>
-              </a:rPr>
-              <a:t>Gilyen</a:t>
-            </a:r>
-            <a:r>
-              <a:rPr lang="en-US" altLang="ja-JP" sz="1200" dirty="0">
-                <a:solidFill>
-                  <a:srgbClr val="002060"/>
-                </a:solidFill>
-                <a:latin typeface="Times New Roman" panose="02020603050405020304" pitchFamily="18" charset="0"/>
-                <a:cs typeface="Times New Roman" panose="02020603050405020304" pitchFamily="18" charset="0"/>
-              </a:rPr>
-              <a:t>, et al., STOC (2019)</a:t>
-            </a:r>
-            <a:endParaRPr lang="ja-JP" altLang="en-US" sz="1200">
-              <a:solidFill>
-                <a:srgbClr val="002060"/>
-              </a:solidFill>
+              <a:t>Commutator scaling</a:t>
+            </a:r>
+            <a:endParaRPr kumimoji="1" lang="ja-JP" altLang="en-US" sz="2400">
               <a:latin typeface="Times New Roman" panose="02020603050405020304" pitchFamily="18" charset="0"/>
+              <a:ea typeface="YuKyokasho Medium" panose="02000500000000000000" pitchFamily="2" charset="-128"/>
               <a:cs typeface="Times New Roman" panose="02020603050405020304" pitchFamily="18" charset="0"/>
             </a:endParaRPr>
           </a:p>
@@ -4923,10 +4383,10 @@
       </p:sp>
       <p:sp>
         <p:nvSpPr>
-          <p:cNvPr id="1037" name="テキスト ボックス 1036">
+          <p:cNvPr id="14" name="テキスト ボックス 13">
             <a:extLst>
               <a:ext uri="{FF2B5EF4-FFF2-40B4-BE49-F238E27FC236}">
-                <a16:creationId xmlns:a16="http://schemas.microsoft.com/office/drawing/2014/main" id="{9DE96346-346E-8E78-7C5E-D6D20FD7F028}"/>
+                <a16:creationId xmlns:a16="http://schemas.microsoft.com/office/drawing/2014/main" id="{A15B1FF3-8953-FCF4-C05D-4B60504F3761}"/>
               </a:ext>
             </a:extLst>
           </p:cNvPr>
@@ -4935,8 +4395,8 @@
         </p:nvSpPr>
         <p:spPr>
           <a:xfrm>
-            <a:off x="9552285" y="10434508"/>
-            <a:ext cx="3192620" cy="276999"/>
+            <a:off x="8388557" y="4804104"/>
+            <a:ext cx="3569088" cy="461665"/>
           </a:xfrm>
           <a:prstGeom prst="rect">
             <a:avLst/>
@@ -4944,295 +4404,24 @@
           <a:noFill/>
         </p:spPr>
         <p:txBody>
-          <a:bodyPr wrap="square">
+          <a:bodyPr wrap="square" rtlCol="0">
             <a:spAutoFit/>
           </a:bodyPr>
           <a:lstStyle/>
           <a:p>
             <a:r>
-              <a:rPr lang="en" altLang="ja-JP" sz="1200" dirty="0">
-                <a:solidFill>
-                  <a:srgbClr val="002060"/>
-                </a:solidFill>
-                <a:latin typeface="Times New Roman" panose="02020603050405020304" pitchFamily="18" charset="0"/>
-                <a:cs typeface="Times New Roman" panose="02020603050405020304" pitchFamily="18" charset="0"/>
-              </a:rPr>
-              <a:t>D. W. Berry, et al., PRL 114, 090502 (2015).</a:t>
-            </a:r>
-            <a:endParaRPr lang="ja-JP" altLang="en-US" sz="1200">
-              <a:solidFill>
-                <a:srgbClr val="002060"/>
-              </a:solidFill>
-              <a:latin typeface="Times New Roman" panose="02020603050405020304" pitchFamily="18" charset="0"/>
-              <a:cs typeface="Times New Roman" panose="02020603050405020304" pitchFamily="18" charset="0"/>
-            </a:endParaRPr>
-          </a:p>
-        </p:txBody>
-      </p:sp>
-      <p:sp>
-        <p:nvSpPr>
-          <p:cNvPr id="1040" name="テキスト ボックス 1039">
-            <a:extLst>
-              <a:ext uri="{FF2B5EF4-FFF2-40B4-BE49-F238E27FC236}">
-                <a16:creationId xmlns:a16="http://schemas.microsoft.com/office/drawing/2014/main" id="{29A08AE6-8F2F-CAD2-A648-1DFC928ABFE5}"/>
-              </a:ext>
-            </a:extLst>
-          </p:cNvPr>
-          <p:cNvSpPr txBox="1"/>
-          <p:nvPr/>
-        </p:nvSpPr>
-        <p:spPr>
-          <a:xfrm>
-            <a:off x="227029" y="7558191"/>
-            <a:ext cx="3070071" cy="646331"/>
-          </a:xfrm>
-          <a:prstGeom prst="rect">
-            <a:avLst/>
-          </a:prstGeom>
-          <a:solidFill>
-            <a:schemeClr val="bg1">
-              <a:lumMod val="95000"/>
-            </a:schemeClr>
-          </a:solidFill>
-        </p:spPr>
-        <p:txBody>
-          <a:bodyPr wrap="none" rtlCol="0">
-            <a:spAutoFit/>
-          </a:bodyPr>
-          <a:lstStyle/>
-          <a:p>
-            <a:r>
-              <a:rPr kumimoji="1" lang="ja-JP" altLang="en-US" sz="3600">
+              <a:rPr kumimoji="1" lang="en-US" altLang="ja-JP" sz="2400" dirty="0">
                 <a:latin typeface="Times New Roman" panose="02020603050405020304" pitchFamily="18" charset="0"/>
                 <a:ea typeface="YuKyokasho Medium" panose="02000500000000000000" pitchFamily="2" charset="-128"/>
                 <a:cs typeface="Times New Roman" panose="02020603050405020304" pitchFamily="18" charset="0"/>
               </a:rPr>
-              <a:t>■</a:t>
-            </a:r>
-            <a:r>
-              <a:rPr kumimoji="1" lang="en-US" altLang="ja-JP" sz="3600" dirty="0">
-                <a:latin typeface="Times New Roman" panose="02020603050405020304" pitchFamily="18" charset="0"/>
-                <a:ea typeface="YuKyokasho Medium" panose="02000500000000000000" pitchFamily="2" charset="-128"/>
-                <a:cs typeface="Times New Roman" panose="02020603050405020304" pitchFamily="18" charset="0"/>
-              </a:rPr>
-              <a:t> </a:t>
-            </a:r>
-            <a:r>
-              <a:rPr kumimoji="1" lang="ja-JP" altLang="en-US" sz="3600">
-                <a:latin typeface="Times New Roman" panose="02020603050405020304" pitchFamily="18" charset="0"/>
-                <a:ea typeface="YuKyokasho Medium" panose="02000500000000000000" pitchFamily="2" charset="-128"/>
-                <a:cs typeface="Times New Roman" panose="02020603050405020304" pitchFamily="18" charset="0"/>
-              </a:rPr>
-              <a:t>計算複雑性</a:t>
-            </a:r>
-          </a:p>
-        </p:txBody>
-      </p:sp>
-      <p:sp>
-        <p:nvSpPr>
-          <p:cNvPr id="1041" name="テキスト ボックス 1040">
-            <a:extLst>
-              <a:ext uri="{FF2B5EF4-FFF2-40B4-BE49-F238E27FC236}">
-                <a16:creationId xmlns:a16="http://schemas.microsoft.com/office/drawing/2014/main" id="{44C4523C-7BEA-7145-F7FB-4912D0E854F5}"/>
-              </a:ext>
-            </a:extLst>
-          </p:cNvPr>
-          <p:cNvSpPr txBox="1"/>
-          <p:nvPr/>
-        </p:nvSpPr>
-        <p:spPr>
-          <a:xfrm>
-            <a:off x="3524130" y="7619746"/>
-            <a:ext cx="6126151" cy="523220"/>
-          </a:xfrm>
-          <a:prstGeom prst="rect">
-            <a:avLst/>
-          </a:prstGeom>
-          <a:noFill/>
-        </p:spPr>
-        <p:txBody>
-          <a:bodyPr wrap="square" rtlCol="0">
-            <a:spAutoFit/>
-          </a:bodyPr>
-          <a:lstStyle/>
-          <a:p>
-            <a:r>
-              <a:rPr kumimoji="1" lang="ja-JP" altLang="en-US" sz="2800">
-                <a:latin typeface="Times New Roman" panose="02020603050405020304" pitchFamily="18" charset="0"/>
-                <a:ea typeface="YuKyokasho Medium" panose="02000500000000000000" pitchFamily="2" charset="-128"/>
-                <a:cs typeface="Times New Roman" panose="02020603050405020304" pitchFamily="18" charset="0"/>
-              </a:rPr>
-              <a:t>←</a:t>
-            </a:r>
-            <a:r>
-              <a:rPr kumimoji="1" lang="en-US" altLang="ja-JP" sz="2800" dirty="0">
-                <a:latin typeface="Times New Roman" panose="02020603050405020304" pitchFamily="18" charset="0"/>
-                <a:ea typeface="YuKyokasho Medium" panose="02000500000000000000" pitchFamily="2" charset="-128"/>
-                <a:cs typeface="Times New Roman" panose="02020603050405020304" pitchFamily="18" charset="0"/>
-              </a:rPr>
-              <a:t> Worst-case error, </a:t>
-            </a:r>
-            <a:r>
-              <a:rPr kumimoji="1" lang="ja-JP" altLang="en-US" sz="2800">
-                <a:latin typeface="Times New Roman" panose="02020603050405020304" pitchFamily="18" charset="0"/>
-                <a:ea typeface="YuKyokasho Medium" panose="02000500000000000000" pitchFamily="2" charset="-128"/>
-                <a:cs typeface="Times New Roman" panose="02020603050405020304" pitchFamily="18" charset="0"/>
-              </a:rPr>
-              <a:t>許容誤差で決まる</a:t>
-            </a:r>
-          </a:p>
-        </p:txBody>
-      </p:sp>
-      <p:sp>
-        <p:nvSpPr>
-          <p:cNvPr id="1025" name="テキスト ボックス 1024">
-            <a:extLst>
-              <a:ext uri="{FF2B5EF4-FFF2-40B4-BE49-F238E27FC236}">
-                <a16:creationId xmlns:a16="http://schemas.microsoft.com/office/drawing/2014/main" id="{5ABE6C4C-5809-DC8B-D83D-D45C828AB3C7}"/>
-              </a:ext>
-            </a:extLst>
-          </p:cNvPr>
-          <p:cNvSpPr txBox="1"/>
-          <p:nvPr/>
-        </p:nvSpPr>
-        <p:spPr>
-          <a:xfrm>
-            <a:off x="3109474" y="9345748"/>
-            <a:ext cx="1374840" cy="400110"/>
-          </a:xfrm>
-          <a:prstGeom prst="rect">
-            <a:avLst/>
-          </a:prstGeom>
-          <a:noFill/>
-        </p:spPr>
-        <p:txBody>
-          <a:bodyPr wrap="square" rtlCol="0">
-            <a:spAutoFit/>
-          </a:bodyPr>
-          <a:lstStyle/>
-          <a:p>
-            <a:r>
-              <a:rPr kumimoji="1" lang="ja-JP" altLang="en-US" sz="2000">
-                <a:solidFill>
-                  <a:schemeClr val="accent2"/>
-                </a:solidFill>
-                <a:latin typeface="Times New Roman" panose="02020603050405020304" pitchFamily="18" charset="0"/>
-                <a:ea typeface="YuKyokasho Medium" panose="02000500000000000000" pitchFamily="2" charset="-128"/>
-                <a:cs typeface="Times New Roman" panose="02020603050405020304" pitchFamily="18" charset="0"/>
-              </a:rPr>
-              <a:t>許容誤差</a:t>
-            </a:r>
-          </a:p>
-        </p:txBody>
-      </p:sp>
-      <p:sp>
-        <p:nvSpPr>
-          <p:cNvPr id="1042" name="左中かっこ 1041">
-            <a:extLst>
-              <a:ext uri="{FF2B5EF4-FFF2-40B4-BE49-F238E27FC236}">
-                <a16:creationId xmlns:a16="http://schemas.microsoft.com/office/drawing/2014/main" id="{A675892B-797D-FCD7-E57B-91E536541FB1}"/>
-              </a:ext>
-            </a:extLst>
-          </p:cNvPr>
-          <p:cNvSpPr/>
-          <p:nvPr/>
-        </p:nvSpPr>
-        <p:spPr>
-          <a:xfrm>
-            <a:off x="8438146" y="8540860"/>
-            <a:ext cx="352927" cy="2346732"/>
-          </a:xfrm>
-          <a:prstGeom prst="leftBrace">
-            <a:avLst>
-              <a:gd name="adj1" fmla="val 8333"/>
-              <a:gd name="adj2" fmla="val 75081"/>
-            </a:avLst>
-          </a:prstGeom>
-          <a:ln w="19050">
-            <a:solidFill>
-              <a:schemeClr val="tx1"/>
-            </a:solidFill>
-          </a:ln>
-        </p:spPr>
-        <p:style>
-          <a:lnRef idx="1">
-            <a:schemeClr val="accent1"/>
-          </a:lnRef>
-          <a:fillRef idx="0">
-            <a:schemeClr val="accent1"/>
-          </a:fillRef>
-          <a:effectRef idx="0">
-            <a:schemeClr val="accent1"/>
-          </a:effectRef>
-          <a:fontRef idx="minor">
-            <a:schemeClr val="tx1"/>
-          </a:fontRef>
-        </p:style>
-        <p:txBody>
-          <a:bodyPr rtlCol="0" anchor="ctr"/>
-          <a:lstStyle/>
-          <a:p>
-            <a:pPr algn="ctr"/>
-            <a:endParaRPr kumimoji="1" lang="ja-JP" altLang="en-US"/>
-          </a:p>
-        </p:txBody>
-      </p:sp>
-      <p:sp>
-        <p:nvSpPr>
-          <p:cNvPr id="1043" name="テキスト ボックス 1042">
-            <a:extLst>
-              <a:ext uri="{FF2B5EF4-FFF2-40B4-BE49-F238E27FC236}">
-                <a16:creationId xmlns:a16="http://schemas.microsoft.com/office/drawing/2014/main" id="{60581A70-87BA-2176-AA4A-8920E9B15518}"/>
-              </a:ext>
-            </a:extLst>
-          </p:cNvPr>
-          <p:cNvSpPr txBox="1"/>
-          <p:nvPr/>
-        </p:nvSpPr>
-        <p:spPr>
-          <a:xfrm>
-            <a:off x="9553418" y="10041002"/>
-            <a:ext cx="3667230" cy="400110"/>
-          </a:xfrm>
-          <a:prstGeom prst="rect">
-            <a:avLst/>
-          </a:prstGeom>
-          <a:noFill/>
-        </p:spPr>
-        <p:txBody>
-          <a:bodyPr wrap="square" rtlCol="0">
-            <a:spAutoFit/>
-          </a:bodyPr>
-          <a:lstStyle/>
-          <a:p>
-            <a:r>
-              <a:rPr kumimoji="1" lang="en-US" altLang="ja-JP" sz="2000" dirty="0">
-                <a:solidFill>
-                  <a:schemeClr val="tx1">
-                    <a:lumMod val="50000"/>
-                    <a:lumOff val="50000"/>
-                  </a:schemeClr>
-                </a:solidFill>
-                <a:latin typeface="Times New Roman" panose="02020603050405020304" pitchFamily="18" charset="0"/>
-                <a:ea typeface="YuKyokasho Medium" panose="02000500000000000000" pitchFamily="2" charset="-128"/>
-                <a:cs typeface="Times New Roman" panose="02020603050405020304" pitchFamily="18" charset="0"/>
-              </a:rPr>
-              <a:t>LCU, QSVT </a:t>
-            </a:r>
-            <a:r>
-              <a:rPr kumimoji="1" lang="ja-JP" altLang="en-US" sz="2000">
-                <a:solidFill>
-                  <a:schemeClr val="tx1">
-                    <a:lumMod val="50000"/>
-                    <a:lumOff val="50000"/>
-                  </a:schemeClr>
-                </a:solidFill>
-                <a:latin typeface="Times New Roman" panose="02020603050405020304" pitchFamily="18" charset="0"/>
-                <a:ea typeface="YuKyokasho Medium" panose="02000500000000000000" pitchFamily="2" charset="-128"/>
-                <a:cs typeface="Times New Roman" panose="02020603050405020304" pitchFamily="18" charset="0"/>
-              </a:rPr>
-              <a:t>などよりも良い</a:t>
-            </a:r>
+              <a:t>Polynomial interpolation</a:t>
+            </a:r>
+            <a:endParaRPr kumimoji="1" lang="ja-JP" altLang="en-US" sz="2400">
+              <a:latin typeface="Times New Roman" panose="02020603050405020304" pitchFamily="18" charset="0"/>
+              <a:ea typeface="YuKyokasho Medium" panose="02000500000000000000" pitchFamily="2" charset="-128"/>
+              <a:cs typeface="Times New Roman" panose="02020603050405020304" pitchFamily="18" charset="0"/>
+            </a:endParaRPr>
           </a:p>
         </p:txBody>
       </p:sp>
